--- a/화면 모드.pptx
+++ b/화면 모드.pptx
@@ -3079,7 +3079,7 @@
           <a:bodyPr/>
           <a:lstStyle/>
           <a:p>
-            <a:endParaRPr lang="ko-KR" altLang="en-US"/>
+            <a:endParaRPr lang="ko-KR" altLang="en-US" dirty="0"/>
           </a:p>
         </p:txBody>
       </p:sp>
@@ -4116,7 +4116,47 @@
                   <a:srgbClr val="7030A0"/>
                 </a:solidFill>
               </a:rPr>
-              <a:t> 회전하거나 스페이스 키를 입력 받으면 다음 오브젝트 </a:t>
+              <a:t> 회전하거나 </a:t>
+            </a:r>
+            <a:r>
+              <a:rPr lang="en-US" altLang="ko-KR" sz="1000" dirty="0" smtClean="0">
+                <a:solidFill>
+                  <a:srgbClr val="7030A0"/>
+                </a:solidFill>
+              </a:rPr>
+              <a:t>[</a:t>
+            </a:r>
+            <a:r>
+              <a:rPr lang="ko-KR" altLang="en-US" sz="1000" dirty="0" smtClean="0">
+                <a:solidFill>
+                  <a:srgbClr val="7030A0"/>
+                </a:solidFill>
+              </a:rPr>
+              <a:t>스페이스</a:t>
+            </a:r>
+            <a:r>
+              <a:rPr lang="en-US" altLang="ko-KR" sz="1000" dirty="0" smtClean="0">
+                <a:solidFill>
+                  <a:srgbClr val="7030A0"/>
+                </a:solidFill>
+              </a:rPr>
+              <a:t>]</a:t>
+            </a:r>
+            <a:r>
+              <a:rPr lang="ko-KR" altLang="en-US" sz="1000" dirty="0" smtClean="0">
+                <a:solidFill>
+                  <a:srgbClr val="7030A0"/>
+                </a:solidFill>
+              </a:rPr>
+              <a:t> </a:t>
+            </a:r>
+            <a:r>
+              <a:rPr lang="ko-KR" altLang="en-US" sz="1000" dirty="0" smtClean="0">
+                <a:solidFill>
+                  <a:srgbClr val="7030A0"/>
+                </a:solidFill>
+              </a:rPr>
+              <a:t>키를 입력 받으면 다음 오브젝트 </a:t>
             </a:r>
             <a:r>
               <a:rPr lang="ko-KR" altLang="en-US" sz="1000" dirty="0" err="1" smtClean="0">
@@ -4292,7 +4332,15 @@
                   <a:srgbClr val="7030A0"/>
                 </a:solidFill>
               </a:rPr>
-              <a:t> 화면 사라짐</a:t>
+              <a:t> 화면 </a:t>
+            </a:r>
+            <a:r>
+              <a:rPr lang="ko-KR" altLang="en-US" sz="1000" dirty="0" smtClean="0">
+                <a:solidFill>
+                  <a:srgbClr val="7030A0"/>
+                </a:solidFill>
+              </a:rPr>
+              <a:t>사라지고</a:t>
             </a:r>
             <a:r>
               <a:rPr lang="en-US" altLang="ko-KR" sz="1000" dirty="0" smtClean="0">
@@ -4300,46 +4348,35 @@
                   <a:srgbClr val="7030A0"/>
                 </a:solidFill>
               </a:rPr>
+              <a:t>, </a:t>
+            </a:r>
+            <a:r>
+              <a:rPr lang="ko-KR" altLang="en-US" sz="1000" dirty="0" smtClean="0">
+                <a:solidFill>
+                  <a:srgbClr val="7030A0"/>
+                </a:solidFill>
+              </a:rPr>
+              <a:t>메인 화면으로 전환됨</a:t>
+            </a:r>
+            <a:r>
+              <a:rPr lang="en-US" altLang="ko-KR" sz="1000" dirty="0" smtClean="0">
+                <a:solidFill>
+                  <a:srgbClr val="7030A0"/>
+                </a:solidFill>
+              </a:rPr>
               <a:t>.</a:t>
             </a:r>
+            <a:endParaRPr lang="en-US" altLang="ko-KR" sz="1000" dirty="0" smtClean="0">
+              <a:solidFill>
+                <a:srgbClr val="7030A0"/>
+              </a:solidFill>
+            </a:endParaRPr>
           </a:p>
           <a:p>
             <a:pPr marL="84138" indent="-84138">
               <a:buFont typeface="Arial" pitchFamily="34" charset="0"/>
               <a:buChar char="•"/>
             </a:pPr>
-            <a:r>
-              <a:rPr lang="ko-KR" altLang="en-US" sz="1000" dirty="0" err="1" smtClean="0">
-                <a:solidFill>
-                  <a:srgbClr val="7030A0"/>
-                </a:solidFill>
-              </a:rPr>
-              <a:t>인트로</a:t>
-            </a:r>
-            <a:r>
-              <a:rPr lang="ko-KR" altLang="en-US" sz="1000" dirty="0" smtClean="0">
-                <a:solidFill>
-                  <a:srgbClr val="7030A0"/>
-                </a:solidFill>
-              </a:rPr>
-              <a:t> 화면이 </a:t>
-            </a:r>
-            <a:r>
-              <a:rPr lang="ko-KR" altLang="en-US" sz="1000" dirty="0" err="1" smtClean="0">
-                <a:solidFill>
-                  <a:srgbClr val="7030A0"/>
-                </a:solidFill>
-              </a:rPr>
-              <a:t>사자진</a:t>
-            </a:r>
-            <a:r>
-              <a:rPr lang="ko-KR" altLang="en-US" sz="1000" dirty="0" smtClean="0">
-                <a:solidFill>
-                  <a:srgbClr val="7030A0"/>
-                </a:solidFill>
-              </a:rPr>
-              <a:t> 후 시뮬레이션 시작됨</a:t>
-            </a:r>
             <a:endParaRPr lang="ko-KR" altLang="en-US" sz="1000" dirty="0">
               <a:solidFill>
                 <a:srgbClr val="7030A0"/>
@@ -4517,19 +4554,7 @@
           <a:p>
             <a:r>
               <a:rPr lang="ko-KR" altLang="en-US" b="1" dirty="0" smtClean="0"/>
-              <a:t>기</a:t>
-            </a:r>
-            <a:r>
-              <a:rPr lang="ko-KR" altLang="en-US" b="1" dirty="0" smtClean="0"/>
-              <a:t>본</a:t>
-            </a:r>
-            <a:r>
-              <a:rPr lang="ko-KR" altLang="en-US" b="1" dirty="0" smtClean="0"/>
-              <a:t> </a:t>
-            </a:r>
-            <a:r>
-              <a:rPr lang="ko-KR" altLang="en-US" b="1" dirty="0" smtClean="0"/>
-              <a:t>화면</a:t>
+              <a:t>기본 화면</a:t>
             </a:r>
             <a:endParaRPr lang="ko-KR" altLang="en-US" b="1" dirty="0"/>
           </a:p>
@@ -5062,11 +5087,7 @@
             </a:r>
             <a:r>
               <a:rPr lang="ko-KR" altLang="en-US" b="1" dirty="0" smtClean="0"/>
-              <a:t> </a:t>
-            </a:r>
-            <a:r>
-              <a:rPr lang="ko-KR" altLang="en-US" b="1" dirty="0" smtClean="0"/>
-              <a:t>화면</a:t>
+              <a:t> 화면</a:t>
             </a:r>
             <a:endParaRPr lang="ko-KR" altLang="en-US" b="1" dirty="0"/>
           </a:p>
@@ -5118,7 +5139,6 @@
               <a:rPr lang="en-US" altLang="ko-KR" dirty="0" smtClean="0"/>
               <a:t>Target Chase</a:t>
             </a:r>
-            <a:endParaRPr lang="en-US" altLang="ko-KR" dirty="0" smtClean="0"/>
           </a:p>
           <a:p>
             <a:pPr algn="ctr"/>
@@ -5482,15 +5502,7 @@
                   <a:srgbClr val="7030A0"/>
                 </a:solidFill>
               </a:rPr>
-              <a:t>. </a:t>
-            </a:r>
-            <a:r>
-              <a:rPr lang="en-US" altLang="ko-KR" sz="1000" dirty="0" smtClean="0">
-                <a:solidFill>
-                  <a:srgbClr val="7030A0"/>
-                </a:solidFill>
-              </a:rPr>
-              <a:t>[Tab] </a:t>
+              <a:t>. [Tab] </a:t>
             </a:r>
             <a:r>
               <a:rPr lang="ko-KR" altLang="en-US" sz="1000" dirty="0" smtClean="0">
@@ -5912,11 +5924,7 @@
             </a:r>
             <a:r>
               <a:rPr lang="ko-KR" altLang="en-US" b="1" dirty="0" smtClean="0"/>
-              <a:t> </a:t>
-            </a:r>
-            <a:r>
-              <a:rPr lang="ko-KR" altLang="en-US" b="1" dirty="0" smtClean="0"/>
-              <a:t>화면</a:t>
+              <a:t> 화면</a:t>
             </a:r>
             <a:endParaRPr lang="ko-KR" altLang="en-US" b="1" dirty="0"/>
           </a:p>
@@ -5968,7 +5976,6 @@
               <a:rPr lang="en-US" altLang="ko-KR" dirty="0" smtClean="0"/>
               <a:t>Target Chase</a:t>
             </a:r>
-            <a:endParaRPr lang="en-US" altLang="ko-KR" dirty="0" smtClean="0"/>
           </a:p>
           <a:p>
             <a:pPr algn="ctr"/>
@@ -6314,7 +6321,6 @@
               <a:rPr lang="en-US" altLang="ko-KR" dirty="0" smtClean="0"/>
               <a:t>Mini Map</a:t>
             </a:r>
-            <a:endParaRPr lang="en-US" altLang="ko-KR" dirty="0" smtClean="0"/>
           </a:p>
           <a:p>
             <a:pPr algn="ctr"/>

--- a/화면 모드.pptx
+++ b/화면 모드.pptx
@@ -11,6 +11,7 @@
     <p:sldId id="261" r:id="rId5"/>
     <p:sldId id="259" r:id="rId6"/>
     <p:sldId id="260" r:id="rId7"/>
+    <p:sldId id="262" r:id="rId8"/>
   </p:sldIdLst>
   <p:sldSz cx="9144000" cy="6858000" type="screen4x3"/>
   <p:notesSz cx="6858000" cy="9144000"/>
@@ -3098,7 +3099,15 @@
           <a:bodyPr/>
           <a:lstStyle/>
           <a:p>
-            <a:endParaRPr lang="ko-KR" altLang="en-US"/>
+            <a:r>
+              <a:rPr lang="en-US" altLang="ko-KR" dirty="0" smtClean="0"/>
+              <a:t>Ver. </a:t>
+            </a:r>
+            <a:r>
+              <a:rPr lang="en-US" altLang="ko-KR" smtClean="0"/>
+              <a:t>0.2.</a:t>
+            </a:r>
+            <a:endParaRPr lang="ko-KR" altLang="en-US" dirty="0"/>
           </a:p>
         </p:txBody>
       </p:sp>
@@ -6737,6 +6746,388 @@
                 </a:solidFill>
               </a:rPr>
               <a:t>의 선택이 쉽도록 한다</a:t>
+            </a:r>
+            <a:r>
+              <a:rPr lang="en-US" altLang="ko-KR" sz="1000" dirty="0" smtClean="0">
+                <a:solidFill>
+                  <a:srgbClr val="7030A0"/>
+                </a:solidFill>
+              </a:rPr>
+              <a:t>.</a:t>
+            </a:r>
+            <a:endParaRPr lang="ko-KR" altLang="en-US" sz="1000" dirty="0">
+              <a:solidFill>
+                <a:srgbClr val="7030A0"/>
+              </a:solidFill>
+            </a:endParaRPr>
+          </a:p>
+        </p:txBody>
+      </p:sp>
+    </p:spTree>
+  </p:cSld>
+  <p:clrMapOvr>
+    <a:masterClrMapping/>
+  </p:clrMapOvr>
+</p:sld>
+</file>
+
+<file path=ppt/slides/slide7.xml><?xml version="1.0" encoding="utf-8"?>
+<p:sld xmlns:a="http://schemas.openxmlformats.org/drawingml/2006/main" xmlns:r="http://schemas.openxmlformats.org/officeDocument/2006/relationships" xmlns:p="http://schemas.openxmlformats.org/presentationml/2006/main">
+  <p:cSld>
+    <p:spTree>
+      <p:nvGrpSpPr>
+        <p:cNvPr id="1" name=""/>
+        <p:cNvGrpSpPr/>
+        <p:nvPr/>
+      </p:nvGrpSpPr>
+      <p:grpSpPr>
+        <a:xfrm>
+          <a:off x="0" y="0"/>
+          <a:ext cx="0" cy="0"/>
+          <a:chOff x="0" y="0"/>
+          <a:chExt cx="0" cy="0"/>
+        </a:xfrm>
+      </p:grpSpPr>
+      <p:sp>
+        <p:nvSpPr>
+          <p:cNvPr id="5" name="직사각형 4"/>
+          <p:cNvSpPr/>
+          <p:nvPr/>
+        </p:nvSpPr>
+        <p:spPr>
+          <a:xfrm>
+            <a:off x="0" y="0"/>
+            <a:ext cx="9144000" cy="548680"/>
+          </a:xfrm>
+          <a:prstGeom prst="rect">
+            <a:avLst/>
+          </a:prstGeom>
+          <a:solidFill>
+            <a:schemeClr val="accent4">
+              <a:lumMod val="75000"/>
+              <a:alpha val="41000"/>
+            </a:schemeClr>
+          </a:solidFill>
+        </p:spPr>
+        <p:style>
+          <a:lnRef idx="2">
+            <a:schemeClr val="accent1">
+              <a:shade val="50000"/>
+            </a:schemeClr>
+          </a:lnRef>
+          <a:fillRef idx="1">
+            <a:schemeClr val="accent1"/>
+          </a:fillRef>
+          <a:effectRef idx="0">
+            <a:schemeClr val="accent1"/>
+          </a:effectRef>
+          <a:fontRef idx="minor">
+            <a:schemeClr val="lt1"/>
+          </a:fontRef>
+        </p:style>
+        <p:txBody>
+          <a:bodyPr rtlCol="0" anchor="ctr"/>
+          <a:lstStyle/>
+          <a:p>
+            <a:r>
+              <a:rPr lang="ko-KR" altLang="en-US" dirty="0" smtClean="0">
+                <a:solidFill>
+                  <a:srgbClr val="7030A0"/>
+                </a:solidFill>
+              </a:rPr>
+              <a:t>운용 시나리오</a:t>
+            </a:r>
+            <a:endParaRPr lang="ko-KR" altLang="en-US" dirty="0">
+              <a:solidFill>
+                <a:srgbClr val="7030A0"/>
+              </a:solidFill>
+            </a:endParaRPr>
+          </a:p>
+        </p:txBody>
+      </p:sp>
+      <p:pic>
+        <p:nvPicPr>
+          <p:cNvPr id="6" name="Picture 2"/>
+          <p:cNvPicPr>
+            <a:picLocks noChangeAspect="1" noChangeArrowheads="1"/>
+          </p:cNvPicPr>
+          <p:nvPr/>
+        </p:nvPicPr>
+        <p:blipFill>
+          <a:blip r:embed="rId2" cstate="print"/>
+          <a:srcRect/>
+          <a:stretch>
+            <a:fillRect/>
+          </a:stretch>
+        </p:blipFill>
+        <p:spPr bwMode="auto">
+          <a:xfrm>
+            <a:off x="3873946" y="166688"/>
+            <a:ext cx="5162550" cy="6524625"/>
+          </a:xfrm>
+          <a:prstGeom prst="rect">
+            <a:avLst/>
+          </a:prstGeom>
+          <a:noFill/>
+          <a:ln w="9525">
+            <a:noFill/>
+            <a:miter lim="800000"/>
+            <a:headEnd/>
+            <a:tailEnd/>
+          </a:ln>
+        </p:spPr>
+      </p:pic>
+      <p:sp>
+        <p:nvSpPr>
+          <p:cNvPr id="7" name="사각형 설명선 6"/>
+          <p:cNvSpPr/>
+          <p:nvPr/>
+        </p:nvSpPr>
+        <p:spPr>
+          <a:xfrm>
+            <a:off x="179512" y="2420888"/>
+            <a:ext cx="3888432" cy="1440160"/>
+          </a:xfrm>
+          <a:prstGeom prst="wedgeRectCallout">
+            <a:avLst>
+              <a:gd name="adj1" fmla="val 105593"/>
+              <a:gd name="adj2" fmla="val -18560"/>
+            </a:avLst>
+          </a:prstGeom>
+          <a:solidFill>
+            <a:schemeClr val="bg1"/>
+          </a:solidFill>
+        </p:spPr>
+        <p:style>
+          <a:lnRef idx="2">
+            <a:schemeClr val="accent1">
+              <a:shade val="50000"/>
+            </a:schemeClr>
+          </a:lnRef>
+          <a:fillRef idx="1">
+            <a:schemeClr val="accent1"/>
+          </a:fillRef>
+          <a:effectRef idx="0">
+            <a:schemeClr val="accent1"/>
+          </a:effectRef>
+          <a:fontRef idx="minor">
+            <a:schemeClr val="lt1"/>
+          </a:fontRef>
+        </p:style>
+        <p:txBody>
+          <a:bodyPr rtlCol="0" anchor="ctr"/>
+          <a:lstStyle/>
+          <a:p>
+            <a:pPr marL="93663" indent="-93663">
+              <a:buFont typeface="Arial" pitchFamily="34" charset="0"/>
+              <a:buChar char="•"/>
+            </a:pPr>
+            <a:r>
+              <a:rPr lang="ko-KR" altLang="en-US" sz="1000" dirty="0" smtClean="0">
+                <a:solidFill>
+                  <a:srgbClr val="7030A0"/>
+                </a:solidFill>
+              </a:rPr>
+              <a:t>표적이 미사일이나 함포인 경우 궤적</a:t>
+            </a:r>
+            <a:r>
+              <a:rPr lang="en-US" altLang="ko-KR" sz="1000" dirty="0" smtClean="0">
+                <a:solidFill>
+                  <a:srgbClr val="7030A0"/>
+                </a:solidFill>
+              </a:rPr>
+              <a:t>(trajectory)</a:t>
+            </a:r>
+            <a:r>
+              <a:rPr lang="ko-KR" altLang="en-US" sz="1000" dirty="0" smtClean="0">
+                <a:solidFill>
+                  <a:srgbClr val="7030A0"/>
+                </a:solidFill>
+              </a:rPr>
+              <a:t>를 그릴 수도 있다</a:t>
+            </a:r>
+            <a:r>
+              <a:rPr lang="en-US" altLang="ko-KR" sz="1000" dirty="0" smtClean="0">
+                <a:solidFill>
+                  <a:srgbClr val="7030A0"/>
+                </a:solidFill>
+              </a:rPr>
+              <a:t>.</a:t>
+            </a:r>
+          </a:p>
+          <a:p>
+            <a:pPr marL="93663" indent="-93663">
+              <a:buFont typeface="Arial" pitchFamily="34" charset="0"/>
+              <a:buChar char="•"/>
+            </a:pPr>
+            <a:r>
+              <a:rPr lang="ko-KR" altLang="en-US" sz="1000" dirty="0" smtClean="0">
+                <a:solidFill>
+                  <a:srgbClr val="7030A0"/>
+                </a:solidFill>
+              </a:rPr>
+              <a:t>미사일이나 함포의 경우에 표적과의 충돌이 있는 경우 해당 표적은 폭파된다</a:t>
+            </a:r>
+            <a:r>
+              <a:rPr lang="en-US" altLang="ko-KR" sz="1000" dirty="0" smtClean="0">
+                <a:solidFill>
+                  <a:srgbClr val="7030A0"/>
+                </a:solidFill>
+              </a:rPr>
+              <a:t>. </a:t>
+            </a:r>
+            <a:r>
+              <a:rPr lang="ko-KR" altLang="en-US" sz="1000" dirty="0" smtClean="0">
+                <a:solidFill>
+                  <a:srgbClr val="7030A0"/>
+                </a:solidFill>
+              </a:rPr>
+              <a:t>이 때 폭파되는 </a:t>
+            </a:r>
+            <a:r>
+              <a:rPr lang="ko-KR" altLang="en-US" sz="1000" b="1" dirty="0" smtClean="0">
+                <a:solidFill>
+                  <a:srgbClr val="7030A0"/>
+                </a:solidFill>
+              </a:rPr>
+              <a:t>특수 효과</a:t>
+            </a:r>
+            <a:r>
+              <a:rPr lang="ko-KR" altLang="en-US" sz="1000" dirty="0" smtClean="0">
+                <a:solidFill>
+                  <a:srgbClr val="7030A0"/>
+                </a:solidFill>
+              </a:rPr>
+              <a:t>가 필요하다</a:t>
+            </a:r>
+            <a:r>
+              <a:rPr lang="en-US" altLang="ko-KR" sz="1000" dirty="0" smtClean="0">
+                <a:solidFill>
+                  <a:srgbClr val="7030A0"/>
+                </a:solidFill>
+              </a:rPr>
+              <a:t>.</a:t>
+            </a:r>
+          </a:p>
+          <a:p>
+            <a:pPr marL="93663" indent="-93663">
+              <a:buFont typeface="Arial" pitchFamily="34" charset="0"/>
+              <a:buChar char="•"/>
+            </a:pPr>
+            <a:r>
+              <a:rPr lang="ko-KR" altLang="en-US" sz="1000" dirty="0" smtClean="0">
+                <a:solidFill>
+                  <a:srgbClr val="7030A0"/>
+                </a:solidFill>
+              </a:rPr>
+              <a:t>미사일이나 함포가 바다에 떨어지는 경우 물기둥이 솟아 오르는 </a:t>
+            </a:r>
+            <a:r>
+              <a:rPr lang="ko-KR" altLang="en-US" sz="1000" b="1" dirty="0" smtClean="0">
+                <a:solidFill>
+                  <a:srgbClr val="7030A0"/>
+                </a:solidFill>
+              </a:rPr>
+              <a:t>특수 효과</a:t>
+            </a:r>
+            <a:r>
+              <a:rPr lang="ko-KR" altLang="en-US" sz="1000" dirty="0" smtClean="0">
+                <a:solidFill>
+                  <a:srgbClr val="7030A0"/>
+                </a:solidFill>
+              </a:rPr>
+              <a:t>가 필요하다</a:t>
+            </a:r>
+            <a:r>
+              <a:rPr lang="en-US" altLang="ko-KR" sz="1000" dirty="0" smtClean="0">
+                <a:solidFill>
+                  <a:srgbClr val="7030A0"/>
+                </a:solidFill>
+              </a:rPr>
+              <a:t>.</a:t>
+            </a:r>
+            <a:endParaRPr lang="ko-KR" altLang="en-US" sz="1000" dirty="0">
+              <a:solidFill>
+                <a:srgbClr val="7030A0"/>
+              </a:solidFill>
+            </a:endParaRPr>
+          </a:p>
+        </p:txBody>
+      </p:sp>
+      <p:sp>
+        <p:nvSpPr>
+          <p:cNvPr id="8" name="사각형 설명선 7"/>
+          <p:cNvSpPr/>
+          <p:nvPr/>
+        </p:nvSpPr>
+        <p:spPr>
+          <a:xfrm>
+            <a:off x="179512" y="3933056"/>
+            <a:ext cx="3888432" cy="1440160"/>
+          </a:xfrm>
+          <a:prstGeom prst="wedgeRectCallout">
+            <a:avLst>
+              <a:gd name="adj1" fmla="val 105052"/>
+              <a:gd name="adj2" fmla="val -28777"/>
+            </a:avLst>
+          </a:prstGeom>
+          <a:solidFill>
+            <a:schemeClr val="bg1"/>
+          </a:solidFill>
+        </p:spPr>
+        <p:style>
+          <a:lnRef idx="2">
+            <a:schemeClr val="accent1">
+              <a:shade val="50000"/>
+            </a:schemeClr>
+          </a:lnRef>
+          <a:fillRef idx="1">
+            <a:schemeClr val="accent1"/>
+          </a:fillRef>
+          <a:effectRef idx="0">
+            <a:schemeClr val="accent1"/>
+          </a:effectRef>
+          <a:fontRef idx="minor">
+            <a:schemeClr val="lt1"/>
+          </a:fontRef>
+        </p:style>
+        <p:txBody>
+          <a:bodyPr rtlCol="0" anchor="ctr"/>
+          <a:lstStyle/>
+          <a:p>
+            <a:pPr marL="93663" indent="-93663">
+              <a:buFont typeface="Arial" pitchFamily="34" charset="0"/>
+              <a:buChar char="•"/>
+            </a:pPr>
+            <a:r>
+              <a:rPr lang="ko-KR" altLang="en-US" sz="1000" dirty="0" smtClean="0">
+                <a:solidFill>
+                  <a:srgbClr val="7030A0"/>
+                </a:solidFill>
+              </a:rPr>
+              <a:t>카메라는 지형이나 바닷물 속으로 뚫고 들어 가지 않는다</a:t>
+            </a:r>
+            <a:r>
+              <a:rPr lang="en-US" altLang="ko-KR" sz="1000" dirty="0" smtClean="0">
+                <a:solidFill>
+                  <a:srgbClr val="7030A0"/>
+                </a:solidFill>
+              </a:rPr>
+              <a:t>.</a:t>
+            </a:r>
+          </a:p>
+          <a:p>
+            <a:pPr marL="93663" indent="-93663">
+              <a:buFont typeface="Arial" pitchFamily="34" charset="0"/>
+              <a:buChar char="•"/>
+            </a:pPr>
+            <a:r>
+              <a:rPr lang="ko-KR" altLang="en-US" sz="1000" dirty="0" smtClean="0">
+                <a:solidFill>
+                  <a:srgbClr val="7030A0"/>
+                </a:solidFill>
+              </a:rPr>
+              <a:t>카메라는 표적을 뚫고 들어 가지 않는다</a:t>
             </a:r>
             <a:r>
               <a:rPr lang="en-US" altLang="ko-KR" sz="1000" dirty="0" smtClean="0">

--- a/화면 모드.pptx
+++ b/화면 모드.pptx
@@ -6,12 +6,13 @@
   </p:sldMasterIdLst>
   <p:sldIdLst>
     <p:sldId id="256" r:id="rId2"/>
-    <p:sldId id="257" r:id="rId3"/>
-    <p:sldId id="258" r:id="rId4"/>
-    <p:sldId id="261" r:id="rId5"/>
-    <p:sldId id="259" r:id="rId6"/>
-    <p:sldId id="260" r:id="rId7"/>
-    <p:sldId id="262" r:id="rId8"/>
+    <p:sldId id="263" r:id="rId3"/>
+    <p:sldId id="257" r:id="rId4"/>
+    <p:sldId id="258" r:id="rId5"/>
+    <p:sldId id="261" r:id="rId6"/>
+    <p:sldId id="259" r:id="rId7"/>
+    <p:sldId id="260" r:id="rId8"/>
+    <p:sldId id="262" r:id="rId9"/>
   </p:sldIdLst>
   <p:sldSz cx="9144000" cy="6858000" type="screen4x3"/>
   <p:notesSz cx="6858000" cy="9144000"/>
@@ -295,7 +296,7 @@
             <a:fld id="{8B507D53-5DA6-4223-89E6-365AB84ADA6C}" type="datetimeFigureOut">
               <a:rPr lang="ko-KR" altLang="en-US" smtClean="0"/>
               <a:pPr/>
-              <a:t>2015-01-18</a:t>
+              <a:t>2015-01-21</a:t>
             </a:fld>
             <a:endParaRPr lang="ko-KR" altLang="en-US"/>
           </a:p>
@@ -462,7 +463,7 @@
             <a:fld id="{8B507D53-5DA6-4223-89E6-365AB84ADA6C}" type="datetimeFigureOut">
               <a:rPr lang="ko-KR" altLang="en-US" smtClean="0"/>
               <a:pPr/>
-              <a:t>2015-01-18</a:t>
+              <a:t>2015-01-21</a:t>
             </a:fld>
             <a:endParaRPr lang="ko-KR" altLang="en-US"/>
           </a:p>
@@ -639,7 +640,7 @@
             <a:fld id="{8B507D53-5DA6-4223-89E6-365AB84ADA6C}" type="datetimeFigureOut">
               <a:rPr lang="ko-KR" altLang="en-US" smtClean="0"/>
               <a:pPr/>
-              <a:t>2015-01-18</a:t>
+              <a:t>2015-01-21</a:t>
             </a:fld>
             <a:endParaRPr lang="ko-KR" altLang="en-US"/>
           </a:p>
@@ -806,7 +807,7 @@
             <a:fld id="{8B507D53-5DA6-4223-89E6-365AB84ADA6C}" type="datetimeFigureOut">
               <a:rPr lang="ko-KR" altLang="en-US" smtClean="0"/>
               <a:pPr/>
-              <a:t>2015-01-18</a:t>
+              <a:t>2015-01-21</a:t>
             </a:fld>
             <a:endParaRPr lang="ko-KR" altLang="en-US"/>
           </a:p>
@@ -1049,7 +1050,7 @@
             <a:fld id="{8B507D53-5DA6-4223-89E6-365AB84ADA6C}" type="datetimeFigureOut">
               <a:rPr lang="ko-KR" altLang="en-US" smtClean="0"/>
               <a:pPr/>
-              <a:t>2015-01-18</a:t>
+              <a:t>2015-01-21</a:t>
             </a:fld>
             <a:endParaRPr lang="ko-KR" altLang="en-US"/>
           </a:p>
@@ -1334,7 +1335,7 @@
             <a:fld id="{8B507D53-5DA6-4223-89E6-365AB84ADA6C}" type="datetimeFigureOut">
               <a:rPr lang="ko-KR" altLang="en-US" smtClean="0"/>
               <a:pPr/>
-              <a:t>2015-01-18</a:t>
+              <a:t>2015-01-21</a:t>
             </a:fld>
             <a:endParaRPr lang="ko-KR" altLang="en-US"/>
           </a:p>
@@ -1753,7 +1754,7 @@
             <a:fld id="{8B507D53-5DA6-4223-89E6-365AB84ADA6C}" type="datetimeFigureOut">
               <a:rPr lang="ko-KR" altLang="en-US" smtClean="0"/>
               <a:pPr/>
-              <a:t>2015-01-18</a:t>
+              <a:t>2015-01-21</a:t>
             </a:fld>
             <a:endParaRPr lang="ko-KR" altLang="en-US"/>
           </a:p>
@@ -1868,7 +1869,7 @@
             <a:fld id="{8B507D53-5DA6-4223-89E6-365AB84ADA6C}" type="datetimeFigureOut">
               <a:rPr lang="ko-KR" altLang="en-US" smtClean="0"/>
               <a:pPr/>
-              <a:t>2015-01-18</a:t>
+              <a:t>2015-01-21</a:t>
             </a:fld>
             <a:endParaRPr lang="ko-KR" altLang="en-US"/>
           </a:p>
@@ -1960,7 +1961,7 @@
             <a:fld id="{8B507D53-5DA6-4223-89E6-365AB84ADA6C}" type="datetimeFigureOut">
               <a:rPr lang="ko-KR" altLang="en-US" smtClean="0"/>
               <a:pPr/>
-              <a:t>2015-01-18</a:t>
+              <a:t>2015-01-21</a:t>
             </a:fld>
             <a:endParaRPr lang="ko-KR" altLang="en-US"/>
           </a:p>
@@ -2234,7 +2235,7 @@
             <a:fld id="{8B507D53-5DA6-4223-89E6-365AB84ADA6C}" type="datetimeFigureOut">
               <a:rPr lang="ko-KR" altLang="en-US" smtClean="0"/>
               <a:pPr/>
-              <a:t>2015-01-18</a:t>
+              <a:t>2015-01-21</a:t>
             </a:fld>
             <a:endParaRPr lang="ko-KR" altLang="en-US"/>
           </a:p>
@@ -2484,7 +2485,7 @@
             <a:fld id="{8B507D53-5DA6-4223-89E6-365AB84ADA6C}" type="datetimeFigureOut">
               <a:rPr lang="ko-KR" altLang="en-US" smtClean="0"/>
               <a:pPr/>
-              <a:t>2015-01-18</a:t>
+              <a:t>2015-01-21</a:t>
             </a:fld>
             <a:endParaRPr lang="ko-KR" altLang="en-US"/>
           </a:p>
@@ -2694,7 +2695,7 @@
             <a:fld id="{8B507D53-5DA6-4223-89E6-365AB84ADA6C}" type="datetimeFigureOut">
               <a:rPr lang="ko-KR" altLang="en-US" smtClean="0"/>
               <a:pPr/>
-              <a:t>2015-01-18</a:t>
+              <a:t>2015-01-21</a:t>
             </a:fld>
             <a:endParaRPr lang="ko-KR" altLang="en-US"/>
           </a:p>
@@ -3104,8 +3105,8 @@
               <a:t>Ver. </a:t>
             </a:r>
             <a:r>
-              <a:rPr lang="en-US" altLang="ko-KR" smtClean="0"/>
-              <a:t>0.2.</a:t>
+              <a:rPr lang="en-US" altLang="ko-KR" dirty="0" smtClean="0"/>
+              <a:t>0.3.</a:t>
             </a:r>
             <a:endParaRPr lang="ko-KR" altLang="en-US" dirty="0"/>
           </a:p>
@@ -3138,451 +3139,478 @@
       </p:grpSpPr>
       <p:sp>
         <p:nvSpPr>
-          <p:cNvPr id="4" name="직사각형 3"/>
-          <p:cNvSpPr/>
+          <p:cNvPr id="2" name="제목 1"/>
+          <p:cNvSpPr>
+            <a:spLocks noGrp="1"/>
+          </p:cNvSpPr>
+          <p:nvPr>
+            <p:ph type="title"/>
+          </p:nvPr>
+        </p:nvSpPr>
+        <p:spPr>
+          <a:xfrm>
+            <a:off x="457200" y="274638"/>
+            <a:ext cx="8229600" cy="274042"/>
+          </a:xfrm>
+        </p:spPr>
+        <p:txBody>
+          <a:bodyPr>
+            <a:normAutofit fontScale="90000"/>
+          </a:bodyPr>
+          <a:lstStyle/>
+          <a:p>
+            <a:r>
+              <a:rPr lang="ko-KR" altLang="en-US" sz="1400" smtClean="0"/>
+              <a:t>수정 이력</a:t>
+            </a:r>
+            <a:endParaRPr lang="ko-KR" altLang="en-US" sz="1400"/>
+          </a:p>
+        </p:txBody>
+      </p:sp>
+      <p:graphicFrame>
+        <p:nvGraphicFramePr>
+          <p:cNvPr id="4" name="표 3"/>
+          <p:cNvGraphicFramePr>
+            <a:graphicFrameLocks noGrp="1"/>
+          </p:cNvGraphicFramePr>
           <p:nvPr/>
-        </p:nvSpPr>
-        <p:spPr>
-          <a:xfrm>
-            <a:off x="972400" y="836712"/>
-            <a:ext cx="7200000" cy="5400000"/>
-          </a:xfrm>
-          <a:prstGeom prst="rect">
-            <a:avLst/>
-          </a:prstGeom>
-        </p:spPr>
-        <p:style>
-          <a:lnRef idx="2">
-            <a:schemeClr val="accent1">
-              <a:shade val="50000"/>
-            </a:schemeClr>
-          </a:lnRef>
-          <a:fillRef idx="1">
-            <a:schemeClr val="accent1"/>
-          </a:fillRef>
-          <a:effectRef idx="0">
-            <a:schemeClr val="accent1"/>
-          </a:effectRef>
-          <a:fontRef idx="minor">
-            <a:schemeClr val="lt1"/>
-          </a:fontRef>
-        </p:style>
-        <p:txBody>
-          <a:bodyPr rtlCol="0" anchor="ctr"/>
-          <a:lstStyle/>
-          <a:p>
-            <a:pPr algn="ctr"/>
-            <a:endParaRPr lang="ko-KR" altLang="en-US"/>
-          </a:p>
-        </p:txBody>
-      </p:sp>
-      <p:sp>
-        <p:nvSpPr>
-          <p:cNvPr id="5" name="직사각형 4"/>
-          <p:cNvSpPr/>
-          <p:nvPr/>
-        </p:nvSpPr>
-        <p:spPr>
-          <a:xfrm>
-            <a:off x="1979712" y="1772816"/>
-            <a:ext cx="5288114" cy="3528392"/>
-          </a:xfrm>
-          <a:prstGeom prst="rect">
-            <a:avLst/>
-          </a:prstGeom>
-          <a:solidFill>
-            <a:schemeClr val="tx1">
-              <a:lumMod val="50000"/>
-              <a:lumOff val="50000"/>
-            </a:schemeClr>
-          </a:solidFill>
-        </p:spPr>
-        <p:style>
-          <a:lnRef idx="2">
-            <a:schemeClr val="accent1">
-              <a:shade val="50000"/>
-            </a:schemeClr>
-          </a:lnRef>
-          <a:fillRef idx="1">
-            <a:schemeClr val="accent1"/>
-          </a:fillRef>
-          <a:effectRef idx="0">
-            <a:schemeClr val="accent1"/>
-          </a:effectRef>
-          <a:fontRef idx="minor">
-            <a:schemeClr val="lt1"/>
-          </a:fontRef>
-        </p:style>
-        <p:txBody>
-          <a:bodyPr rtlCol="0" anchor="ctr"/>
-          <a:lstStyle/>
-          <a:p>
-            <a:pPr algn="ctr"/>
-            <a:r>
-              <a:rPr lang="ko-KR" altLang="en-US" dirty="0" err="1" smtClean="0"/>
-              <a:t>인트로</a:t>
-            </a:r>
-            <a:endParaRPr lang="en-US" altLang="ko-KR" dirty="0" smtClean="0"/>
-          </a:p>
-          <a:p>
-            <a:pPr algn="ctr"/>
-            <a:r>
-              <a:rPr lang="ko-KR" altLang="en-US" dirty="0" smtClean="0"/>
-              <a:t>화</a:t>
-            </a:r>
-            <a:r>
-              <a:rPr lang="ko-KR" altLang="en-US" dirty="0"/>
-              <a:t>면</a:t>
-            </a:r>
-          </a:p>
-        </p:txBody>
-      </p:sp>
-      <p:cxnSp>
-        <p:nvCxnSpPr>
-          <p:cNvPr id="7" name="직선 화살표 연결선 6"/>
-          <p:cNvCxnSpPr>
-            <a:stCxn id="4" idx="0"/>
-          </p:cNvCxnSpPr>
-          <p:nvPr/>
-        </p:nvCxnSpPr>
-        <p:spPr>
-          <a:xfrm>
-            <a:off x="4572400" y="836712"/>
-            <a:ext cx="10110" cy="960557"/>
-          </a:xfrm>
-          <a:prstGeom prst="straightConnector1">
-            <a:avLst/>
-          </a:prstGeom>
-          <a:ln>
-            <a:solidFill>
-              <a:schemeClr val="tx1"/>
-            </a:solidFill>
-            <a:headEnd type="none" w="med" len="med"/>
-            <a:tailEnd type="triangle" w="med" len="med"/>
-          </a:ln>
-        </p:spPr>
-        <p:style>
-          <a:lnRef idx="1">
-            <a:schemeClr val="accent1"/>
-          </a:lnRef>
-          <a:fillRef idx="0">
-            <a:schemeClr val="accent1"/>
-          </a:fillRef>
-          <a:effectRef idx="0">
-            <a:schemeClr val="accent1"/>
-          </a:effectRef>
-          <a:fontRef idx="minor">
-            <a:schemeClr val="tx1"/>
-          </a:fontRef>
-        </p:style>
-      </p:cxnSp>
-      <p:sp>
-        <p:nvSpPr>
-          <p:cNvPr id="11" name="TextBox 10"/>
-          <p:cNvSpPr txBox="1"/>
-          <p:nvPr/>
-        </p:nvSpPr>
-        <p:spPr>
-          <a:xfrm>
-            <a:off x="4644008" y="1052736"/>
-            <a:ext cx="720080" cy="369332"/>
-          </a:xfrm>
-          <a:prstGeom prst="rect">
-            <a:avLst/>
-          </a:prstGeom>
-          <a:noFill/>
-        </p:spPr>
-        <p:txBody>
-          <a:bodyPr wrap="square" rtlCol="0">
-            <a:spAutoFit/>
-          </a:bodyPr>
-          <a:lstStyle/>
-          <a:p>
-            <a:r>
-              <a:rPr lang="en-US" altLang="ko-KR" dirty="0" smtClean="0"/>
-              <a:t>20%</a:t>
-            </a:r>
-            <a:endParaRPr lang="ko-KR" altLang="en-US" dirty="0"/>
-          </a:p>
-        </p:txBody>
-      </p:sp>
-      <p:cxnSp>
-        <p:nvCxnSpPr>
-          <p:cNvPr id="12" name="직선 화살표 연결선 11"/>
-          <p:cNvCxnSpPr/>
-          <p:nvPr/>
-        </p:nvCxnSpPr>
-        <p:spPr>
-          <a:xfrm flipH="1" flipV="1">
-            <a:off x="4572000" y="5301208"/>
-            <a:ext cx="4874" cy="936104"/>
-          </a:xfrm>
-          <a:prstGeom prst="straightConnector1">
-            <a:avLst/>
-          </a:prstGeom>
-          <a:ln>
-            <a:solidFill>
-              <a:schemeClr val="tx1"/>
-            </a:solidFill>
-            <a:headEnd type="none" w="med" len="med"/>
-            <a:tailEnd type="triangle" w="med" len="med"/>
-          </a:ln>
-        </p:spPr>
-        <p:style>
-          <a:lnRef idx="1">
-            <a:schemeClr val="accent1"/>
-          </a:lnRef>
-          <a:fillRef idx="0">
-            <a:schemeClr val="accent1"/>
-          </a:fillRef>
-          <a:effectRef idx="0">
-            <a:schemeClr val="accent1"/>
-          </a:effectRef>
-          <a:fontRef idx="minor">
-            <a:schemeClr val="tx1"/>
-          </a:fontRef>
-        </p:style>
-      </p:cxnSp>
-      <p:cxnSp>
-        <p:nvCxnSpPr>
-          <p:cNvPr id="13" name="직선 화살표 연결선 12"/>
-          <p:cNvCxnSpPr/>
-          <p:nvPr/>
-        </p:nvCxnSpPr>
-        <p:spPr>
-          <a:xfrm>
-            <a:off x="976474" y="3284984"/>
-            <a:ext cx="1003238" cy="0"/>
-          </a:xfrm>
-          <a:prstGeom prst="straightConnector1">
-            <a:avLst/>
-          </a:prstGeom>
-          <a:ln>
-            <a:solidFill>
-              <a:schemeClr val="tx1"/>
-            </a:solidFill>
-            <a:headEnd type="none" w="med" len="med"/>
-            <a:tailEnd type="triangle" w="med" len="med"/>
-          </a:ln>
-        </p:spPr>
-        <p:style>
-          <a:lnRef idx="1">
-            <a:schemeClr val="accent1"/>
-          </a:lnRef>
-          <a:fillRef idx="0">
-            <a:schemeClr val="accent1"/>
-          </a:fillRef>
-          <a:effectRef idx="0">
-            <a:schemeClr val="accent1"/>
-          </a:effectRef>
-          <a:fontRef idx="minor">
-            <a:schemeClr val="tx1"/>
-          </a:fontRef>
-        </p:style>
-      </p:cxnSp>
-      <p:cxnSp>
-        <p:nvCxnSpPr>
-          <p:cNvPr id="14" name="직선 화살표 연결선 13"/>
-          <p:cNvCxnSpPr/>
-          <p:nvPr/>
-        </p:nvCxnSpPr>
-        <p:spPr>
-          <a:xfrm flipH="1">
-            <a:off x="7236296" y="3356992"/>
-            <a:ext cx="940978" cy="0"/>
-          </a:xfrm>
-          <a:prstGeom prst="straightConnector1">
-            <a:avLst/>
-          </a:prstGeom>
-          <a:ln>
-            <a:solidFill>
-              <a:schemeClr val="tx1"/>
-            </a:solidFill>
-            <a:headEnd type="none" w="med" len="med"/>
-            <a:tailEnd type="triangle" w="med" len="med"/>
-          </a:ln>
-        </p:spPr>
-        <p:style>
-          <a:lnRef idx="1">
-            <a:schemeClr val="accent1"/>
-          </a:lnRef>
-          <a:fillRef idx="0">
-            <a:schemeClr val="accent1"/>
-          </a:fillRef>
-          <a:effectRef idx="0">
-            <a:schemeClr val="accent1"/>
-          </a:effectRef>
-          <a:fontRef idx="minor">
-            <a:schemeClr val="tx1"/>
-          </a:fontRef>
-        </p:style>
-      </p:cxnSp>
-      <p:sp>
-        <p:nvSpPr>
-          <p:cNvPr id="22" name="TextBox 21"/>
-          <p:cNvSpPr txBox="1"/>
-          <p:nvPr/>
-        </p:nvSpPr>
-        <p:spPr>
-          <a:xfrm>
-            <a:off x="1115616" y="2852936"/>
-            <a:ext cx="720080" cy="369332"/>
-          </a:xfrm>
-          <a:prstGeom prst="rect">
-            <a:avLst/>
-          </a:prstGeom>
-          <a:noFill/>
-        </p:spPr>
-        <p:txBody>
-          <a:bodyPr wrap="square" rtlCol="0">
-            <a:spAutoFit/>
-          </a:bodyPr>
-          <a:lstStyle/>
-          <a:p>
-            <a:r>
-              <a:rPr lang="en-US" altLang="ko-KR" dirty="0" smtClean="0"/>
-              <a:t>20%</a:t>
-            </a:r>
-            <a:endParaRPr lang="ko-KR" altLang="en-US" dirty="0"/>
-          </a:p>
-        </p:txBody>
-      </p:sp>
-      <p:sp>
-        <p:nvSpPr>
-          <p:cNvPr id="23" name="TextBox 22"/>
-          <p:cNvSpPr txBox="1"/>
-          <p:nvPr/>
-        </p:nvSpPr>
-        <p:spPr>
-          <a:xfrm>
-            <a:off x="4644008" y="5661248"/>
-            <a:ext cx="720080" cy="369332"/>
-          </a:xfrm>
-          <a:prstGeom prst="rect">
-            <a:avLst/>
-          </a:prstGeom>
-          <a:noFill/>
-        </p:spPr>
-        <p:txBody>
-          <a:bodyPr wrap="square" rtlCol="0">
-            <a:spAutoFit/>
-          </a:bodyPr>
-          <a:lstStyle/>
-          <a:p>
-            <a:r>
-              <a:rPr lang="en-US" altLang="ko-KR" dirty="0" smtClean="0"/>
-              <a:t>20%</a:t>
-            </a:r>
-            <a:endParaRPr lang="ko-KR" altLang="en-US" dirty="0"/>
-          </a:p>
-        </p:txBody>
-      </p:sp>
-      <p:sp>
-        <p:nvSpPr>
-          <p:cNvPr id="24" name="TextBox 23"/>
-          <p:cNvSpPr txBox="1"/>
-          <p:nvPr/>
-        </p:nvSpPr>
-        <p:spPr>
-          <a:xfrm>
-            <a:off x="7452320" y="2924944"/>
-            <a:ext cx="720080" cy="369332"/>
-          </a:xfrm>
-          <a:prstGeom prst="rect">
-            <a:avLst/>
-          </a:prstGeom>
-          <a:noFill/>
-        </p:spPr>
-        <p:txBody>
-          <a:bodyPr wrap="square" rtlCol="0">
-            <a:spAutoFit/>
-          </a:bodyPr>
-          <a:lstStyle/>
-          <a:p>
-            <a:r>
-              <a:rPr lang="en-US" altLang="ko-KR" dirty="0" smtClean="0"/>
-              <a:t>20%</a:t>
-            </a:r>
-            <a:endParaRPr lang="ko-KR" altLang="en-US" dirty="0"/>
-          </a:p>
-        </p:txBody>
-      </p:sp>
-      <p:sp>
-        <p:nvSpPr>
-          <p:cNvPr id="15" name="TextBox 14"/>
-          <p:cNvSpPr txBox="1"/>
-          <p:nvPr/>
-        </p:nvSpPr>
-        <p:spPr>
-          <a:xfrm>
-            <a:off x="179512" y="116632"/>
-            <a:ext cx="8712968" cy="369332"/>
-          </a:xfrm>
-          <a:prstGeom prst="rect">
-            <a:avLst/>
-          </a:prstGeom>
-          <a:noFill/>
-        </p:spPr>
-        <p:txBody>
-          <a:bodyPr wrap="square" rtlCol="0">
-            <a:spAutoFit/>
-          </a:bodyPr>
-          <a:lstStyle/>
-          <a:p>
-            <a:r>
-              <a:rPr lang="ko-KR" altLang="en-US" b="1" smtClean="0"/>
-              <a:t>화면 배치</a:t>
-            </a:r>
-            <a:endParaRPr lang="ko-KR" altLang="en-US" b="1"/>
-          </a:p>
-        </p:txBody>
-      </p:sp>
-      <p:sp>
-        <p:nvSpPr>
-          <p:cNvPr id="16" name="직사각형 15"/>
-          <p:cNvSpPr/>
-          <p:nvPr/>
-        </p:nvSpPr>
-        <p:spPr>
-          <a:xfrm>
-            <a:off x="0" y="0"/>
-            <a:ext cx="9144000" cy="548680"/>
-          </a:xfrm>
-          <a:prstGeom prst="rect">
-            <a:avLst/>
-          </a:prstGeom>
-          <a:solidFill>
-            <a:schemeClr val="accent4">
-              <a:lumMod val="75000"/>
-              <a:alpha val="41000"/>
-            </a:schemeClr>
-          </a:solidFill>
-        </p:spPr>
-        <p:style>
-          <a:lnRef idx="2">
-            <a:schemeClr val="accent1">
-              <a:shade val="50000"/>
-            </a:schemeClr>
-          </a:lnRef>
-          <a:fillRef idx="1">
-            <a:schemeClr val="accent1"/>
-          </a:fillRef>
-          <a:effectRef idx="0">
-            <a:schemeClr val="accent1"/>
-          </a:effectRef>
-          <a:fontRef idx="minor">
-            <a:schemeClr val="lt1"/>
-          </a:fontRef>
-        </p:style>
-        <p:txBody>
-          <a:bodyPr rtlCol="0" anchor="ctr"/>
-          <a:lstStyle/>
-          <a:p>
-            <a:pPr algn="ctr"/>
-            <a:endParaRPr lang="ko-KR" altLang="en-US"/>
-          </a:p>
-        </p:txBody>
-      </p:sp>
+        </p:nvGraphicFramePr>
+        <p:xfrm>
+          <a:off x="1524000" y="1397000"/>
+          <a:ext cx="6096000" cy="2011680"/>
+        </p:xfrm>
+        <a:graphic>
+          <a:graphicData uri="http://schemas.openxmlformats.org/drawingml/2006/table">
+            <a:tbl>
+              <a:tblPr firstRow="1" bandRow="1">
+                <a:tableStyleId>{5C22544A-7EE6-4342-B048-85BDC9FD1C3A}</a:tableStyleId>
+              </a:tblPr>
+              <a:tblGrid>
+                <a:gridCol w="887760"/>
+                <a:gridCol w="2736304"/>
+                <a:gridCol w="947936"/>
+                <a:gridCol w="1524000"/>
+              </a:tblGrid>
+              <a:tr h="0">
+                <a:tc>
+                  <a:txBody>
+                    <a:bodyPr/>
+                    <a:lstStyle/>
+                    <a:p>
+                      <a:pPr algn="ctr" latinLnBrk="1"/>
+                      <a:r>
+                        <a:rPr lang="ko-KR" altLang="en-US" sz="1050" dirty="0" smtClean="0"/>
+                        <a:t>날 짜</a:t>
+                      </a:r>
+                      <a:endParaRPr lang="ko-KR" altLang="en-US" sz="1050" dirty="0"/>
+                    </a:p>
+                  </a:txBody>
+                  <a:tcPr/>
+                </a:tc>
+                <a:tc>
+                  <a:txBody>
+                    <a:bodyPr/>
+                    <a:lstStyle/>
+                    <a:p>
+                      <a:pPr algn="ctr" latinLnBrk="1"/>
+                      <a:r>
+                        <a:rPr lang="ko-KR" altLang="en-US" sz="1050" dirty="0" smtClean="0"/>
+                        <a:t>수정 내역</a:t>
+                      </a:r>
+                      <a:endParaRPr lang="ko-KR" altLang="en-US" sz="1050" dirty="0"/>
+                    </a:p>
+                  </a:txBody>
+                  <a:tcPr/>
+                </a:tc>
+                <a:tc>
+                  <a:txBody>
+                    <a:bodyPr/>
+                    <a:lstStyle/>
+                    <a:p>
+                      <a:pPr algn="ctr" latinLnBrk="1"/>
+                      <a:r>
+                        <a:rPr lang="ko-KR" altLang="en-US" sz="1050" dirty="0" smtClean="0"/>
+                        <a:t>작성자</a:t>
+                      </a:r>
+                      <a:endParaRPr lang="ko-KR" altLang="en-US" sz="1050" dirty="0"/>
+                    </a:p>
+                  </a:txBody>
+                  <a:tcPr/>
+                </a:tc>
+                <a:tc>
+                  <a:txBody>
+                    <a:bodyPr/>
+                    <a:lstStyle/>
+                    <a:p>
+                      <a:pPr algn="ctr" latinLnBrk="1"/>
+                      <a:r>
+                        <a:rPr lang="ko-KR" altLang="en-US" sz="1050" dirty="0" smtClean="0"/>
+                        <a:t>비고</a:t>
+                      </a:r>
+                      <a:endParaRPr lang="ko-KR" altLang="en-US" sz="1050" dirty="0"/>
+                    </a:p>
+                  </a:txBody>
+                  <a:tcPr/>
+                </a:tc>
+              </a:tr>
+              <a:tr h="0">
+                <a:tc>
+                  <a:txBody>
+                    <a:bodyPr/>
+                    <a:lstStyle/>
+                    <a:p>
+                      <a:pPr latinLnBrk="1"/>
+                      <a:r>
+                        <a:rPr lang="en-US" altLang="ko-KR" sz="1050" dirty="0" smtClean="0"/>
+                        <a:t>201501118</a:t>
+                      </a:r>
+                      <a:endParaRPr lang="ko-KR" altLang="en-US" sz="1050" dirty="0"/>
+                    </a:p>
+                  </a:txBody>
+                  <a:tcPr/>
+                </a:tc>
+                <a:tc>
+                  <a:txBody>
+                    <a:bodyPr/>
+                    <a:lstStyle/>
+                    <a:p>
+                      <a:pPr latinLnBrk="1"/>
+                      <a:r>
+                        <a:rPr lang="ko-KR" altLang="en-US" sz="1050" dirty="0" smtClean="0"/>
+                        <a:t>초기 버전</a:t>
+                      </a:r>
+                      <a:endParaRPr lang="ko-KR" altLang="en-US" sz="1050" dirty="0"/>
+                    </a:p>
+                  </a:txBody>
+                  <a:tcPr/>
+                </a:tc>
+                <a:tc>
+                  <a:txBody>
+                    <a:bodyPr/>
+                    <a:lstStyle/>
+                    <a:p>
+                      <a:pPr latinLnBrk="1"/>
+                      <a:r>
+                        <a:rPr lang="en-US" altLang="ko-KR" sz="1050" dirty="0" smtClean="0"/>
+                        <a:t>Sean Kim</a:t>
+                      </a:r>
+                      <a:endParaRPr lang="ko-KR" altLang="en-US" sz="1050" dirty="0"/>
+                    </a:p>
+                  </a:txBody>
+                  <a:tcPr/>
+                </a:tc>
+                <a:tc>
+                  <a:txBody>
+                    <a:bodyPr/>
+                    <a:lstStyle/>
+                    <a:p>
+                      <a:pPr latinLnBrk="1"/>
+                      <a:endParaRPr lang="ko-KR" altLang="en-US" sz="1050"/>
+                    </a:p>
+                  </a:txBody>
+                  <a:tcPr/>
+                </a:tc>
+              </a:tr>
+              <a:tr h="0">
+                <a:tc>
+                  <a:txBody>
+                    <a:bodyPr/>
+                    <a:lstStyle/>
+                    <a:p>
+                      <a:pPr latinLnBrk="1"/>
+                      <a:r>
+                        <a:rPr lang="en-US" altLang="ko-KR" sz="1050" dirty="0" smtClean="0"/>
+                        <a:t>20150121</a:t>
+                      </a:r>
+                      <a:endParaRPr lang="ko-KR" altLang="en-US" sz="1050" dirty="0"/>
+                    </a:p>
+                  </a:txBody>
+                  <a:tcPr/>
+                </a:tc>
+                <a:tc>
+                  <a:txBody>
+                    <a:bodyPr/>
+                    <a:lstStyle/>
+                    <a:p>
+                      <a:pPr latinLnBrk="1"/>
+                      <a:r>
+                        <a:rPr lang="ko-KR" altLang="en-US" sz="1050" dirty="0" smtClean="0"/>
+                        <a:t>각</a:t>
+                      </a:r>
+                      <a:r>
+                        <a:rPr lang="en-US" altLang="ko-KR" sz="1050" baseline="0" dirty="0" smtClean="0"/>
+                        <a:t> </a:t>
+                      </a:r>
+                      <a:r>
+                        <a:rPr lang="ko-KR" altLang="en-US" sz="1050" baseline="0" dirty="0" smtClean="0"/>
+                        <a:t>화면 설명 보완</a:t>
+                      </a:r>
+                      <a:endParaRPr lang="ko-KR" altLang="en-US" sz="1050" dirty="0"/>
+                    </a:p>
+                  </a:txBody>
+                  <a:tcPr/>
+                </a:tc>
+                <a:tc>
+                  <a:txBody>
+                    <a:bodyPr/>
+                    <a:lstStyle/>
+                    <a:p>
+                      <a:pPr latinLnBrk="1"/>
+                      <a:r>
+                        <a:rPr lang="en-US" altLang="ko-KR" sz="1050" dirty="0" smtClean="0"/>
+                        <a:t>Sean Kim</a:t>
+                      </a:r>
+                      <a:endParaRPr lang="ko-KR" altLang="en-US" sz="1050" dirty="0"/>
+                    </a:p>
+                  </a:txBody>
+                  <a:tcPr/>
+                </a:tc>
+                <a:tc>
+                  <a:txBody>
+                    <a:bodyPr/>
+                    <a:lstStyle/>
+                    <a:p>
+                      <a:pPr latinLnBrk="1"/>
+                      <a:endParaRPr lang="ko-KR" altLang="en-US" sz="1050"/>
+                    </a:p>
+                  </a:txBody>
+                  <a:tcPr/>
+                </a:tc>
+              </a:tr>
+              <a:tr h="0">
+                <a:tc>
+                  <a:txBody>
+                    <a:bodyPr/>
+                    <a:lstStyle/>
+                    <a:p>
+                      <a:pPr latinLnBrk="1"/>
+                      <a:endParaRPr lang="ko-KR" altLang="en-US" sz="1050"/>
+                    </a:p>
+                  </a:txBody>
+                  <a:tcPr/>
+                </a:tc>
+                <a:tc>
+                  <a:txBody>
+                    <a:bodyPr/>
+                    <a:lstStyle/>
+                    <a:p>
+                      <a:pPr latinLnBrk="1"/>
+                      <a:endParaRPr lang="ko-KR" altLang="en-US" sz="1050"/>
+                    </a:p>
+                  </a:txBody>
+                  <a:tcPr/>
+                </a:tc>
+                <a:tc>
+                  <a:txBody>
+                    <a:bodyPr/>
+                    <a:lstStyle/>
+                    <a:p>
+                      <a:pPr latinLnBrk="1"/>
+                      <a:endParaRPr lang="ko-KR" altLang="en-US" sz="1050"/>
+                    </a:p>
+                  </a:txBody>
+                  <a:tcPr/>
+                </a:tc>
+                <a:tc>
+                  <a:txBody>
+                    <a:bodyPr/>
+                    <a:lstStyle/>
+                    <a:p>
+                      <a:pPr latinLnBrk="1"/>
+                      <a:endParaRPr lang="ko-KR" altLang="en-US" sz="1050"/>
+                    </a:p>
+                  </a:txBody>
+                  <a:tcPr/>
+                </a:tc>
+              </a:tr>
+              <a:tr h="0">
+                <a:tc>
+                  <a:txBody>
+                    <a:bodyPr/>
+                    <a:lstStyle/>
+                    <a:p>
+                      <a:pPr latinLnBrk="1"/>
+                      <a:endParaRPr lang="ko-KR" altLang="en-US" sz="1050" dirty="0"/>
+                    </a:p>
+                  </a:txBody>
+                  <a:tcPr/>
+                </a:tc>
+                <a:tc>
+                  <a:txBody>
+                    <a:bodyPr/>
+                    <a:lstStyle/>
+                    <a:p>
+                      <a:pPr latinLnBrk="1"/>
+                      <a:endParaRPr lang="ko-KR" altLang="en-US" sz="1050"/>
+                    </a:p>
+                  </a:txBody>
+                  <a:tcPr/>
+                </a:tc>
+                <a:tc>
+                  <a:txBody>
+                    <a:bodyPr/>
+                    <a:lstStyle/>
+                    <a:p>
+                      <a:pPr latinLnBrk="1"/>
+                      <a:endParaRPr lang="ko-KR" altLang="en-US" sz="1050"/>
+                    </a:p>
+                  </a:txBody>
+                  <a:tcPr/>
+                </a:tc>
+                <a:tc>
+                  <a:txBody>
+                    <a:bodyPr/>
+                    <a:lstStyle/>
+                    <a:p>
+                      <a:pPr latinLnBrk="1"/>
+                      <a:endParaRPr lang="ko-KR" altLang="en-US" sz="1050"/>
+                    </a:p>
+                  </a:txBody>
+                  <a:tcPr/>
+                </a:tc>
+              </a:tr>
+              <a:tr h="0">
+                <a:tc>
+                  <a:txBody>
+                    <a:bodyPr/>
+                    <a:lstStyle/>
+                    <a:p>
+                      <a:pPr latinLnBrk="1"/>
+                      <a:endParaRPr lang="ko-KR" altLang="en-US" sz="1050"/>
+                    </a:p>
+                  </a:txBody>
+                  <a:tcPr/>
+                </a:tc>
+                <a:tc>
+                  <a:txBody>
+                    <a:bodyPr/>
+                    <a:lstStyle/>
+                    <a:p>
+                      <a:pPr latinLnBrk="1"/>
+                      <a:endParaRPr lang="ko-KR" altLang="en-US" sz="1050"/>
+                    </a:p>
+                  </a:txBody>
+                  <a:tcPr/>
+                </a:tc>
+                <a:tc>
+                  <a:txBody>
+                    <a:bodyPr/>
+                    <a:lstStyle/>
+                    <a:p>
+                      <a:pPr latinLnBrk="1"/>
+                      <a:endParaRPr lang="ko-KR" altLang="en-US" sz="1050"/>
+                    </a:p>
+                  </a:txBody>
+                  <a:tcPr/>
+                </a:tc>
+                <a:tc>
+                  <a:txBody>
+                    <a:bodyPr/>
+                    <a:lstStyle/>
+                    <a:p>
+                      <a:pPr latinLnBrk="1"/>
+                      <a:endParaRPr lang="ko-KR" altLang="en-US" sz="1050"/>
+                    </a:p>
+                  </a:txBody>
+                  <a:tcPr/>
+                </a:tc>
+              </a:tr>
+              <a:tr h="0">
+                <a:tc>
+                  <a:txBody>
+                    <a:bodyPr/>
+                    <a:lstStyle/>
+                    <a:p>
+                      <a:pPr latinLnBrk="1"/>
+                      <a:endParaRPr lang="ko-KR" altLang="en-US" sz="1050"/>
+                    </a:p>
+                  </a:txBody>
+                  <a:tcPr/>
+                </a:tc>
+                <a:tc>
+                  <a:txBody>
+                    <a:bodyPr/>
+                    <a:lstStyle/>
+                    <a:p>
+                      <a:pPr latinLnBrk="1"/>
+                      <a:endParaRPr lang="ko-KR" altLang="en-US" sz="1050"/>
+                    </a:p>
+                  </a:txBody>
+                  <a:tcPr/>
+                </a:tc>
+                <a:tc>
+                  <a:txBody>
+                    <a:bodyPr/>
+                    <a:lstStyle/>
+                    <a:p>
+                      <a:pPr latinLnBrk="1"/>
+                      <a:endParaRPr lang="ko-KR" altLang="en-US" sz="1050"/>
+                    </a:p>
+                  </a:txBody>
+                  <a:tcPr/>
+                </a:tc>
+                <a:tc>
+                  <a:txBody>
+                    <a:bodyPr/>
+                    <a:lstStyle/>
+                    <a:p>
+                      <a:pPr latinLnBrk="1"/>
+                      <a:endParaRPr lang="ko-KR" altLang="en-US" sz="1050"/>
+                    </a:p>
+                  </a:txBody>
+                  <a:tcPr/>
+                </a:tc>
+              </a:tr>
+              <a:tr h="0">
+                <a:tc>
+                  <a:txBody>
+                    <a:bodyPr/>
+                    <a:lstStyle/>
+                    <a:p>
+                      <a:pPr latinLnBrk="1"/>
+                      <a:endParaRPr lang="ko-KR" altLang="en-US" sz="1050"/>
+                    </a:p>
+                  </a:txBody>
+                  <a:tcPr/>
+                </a:tc>
+                <a:tc>
+                  <a:txBody>
+                    <a:bodyPr/>
+                    <a:lstStyle/>
+                    <a:p>
+                      <a:pPr latinLnBrk="1"/>
+                      <a:endParaRPr lang="ko-KR" altLang="en-US" sz="1050"/>
+                    </a:p>
+                  </a:txBody>
+                  <a:tcPr/>
+                </a:tc>
+                <a:tc>
+                  <a:txBody>
+                    <a:bodyPr/>
+                    <a:lstStyle/>
+                    <a:p>
+                      <a:pPr latinLnBrk="1"/>
+                      <a:endParaRPr lang="ko-KR" altLang="en-US" sz="1050"/>
+                    </a:p>
+                  </a:txBody>
+                  <a:tcPr/>
+                </a:tc>
+                <a:tc>
+                  <a:txBody>
+                    <a:bodyPr/>
+                    <a:lstStyle/>
+                    <a:p>
+                      <a:pPr latinLnBrk="1"/>
+                      <a:endParaRPr lang="ko-KR" altLang="en-US" sz="1050" dirty="0"/>
+                    </a:p>
+                  </a:txBody>
+                  <a:tcPr/>
+                </a:tc>
+              </a:tr>
+            </a:tbl>
+          </a:graphicData>
+        </a:graphic>
+      </p:graphicFrame>
     </p:spTree>
   </p:cSld>
   <p:clrMapOvr>
@@ -3979,436 +4007,21 @@
           </a:p>
         </p:txBody>
       </p:sp>
-      <p:pic>
-        <p:nvPicPr>
-          <p:cNvPr id="1026" name="Picture 2"/>
-          <p:cNvPicPr>
-            <a:picLocks noChangeAspect="1" noChangeArrowheads="1"/>
-          </p:cNvPicPr>
+      <p:sp>
+        <p:nvSpPr>
+          <p:cNvPr id="15" name="TextBox 14"/>
+          <p:cNvSpPr txBox="1"/>
           <p:nvPr/>
-        </p:nvPicPr>
-        <p:blipFill>
-          <a:blip r:embed="rId2" cstate="print"/>
-          <a:srcRect/>
-          <a:stretch>
-            <a:fillRect/>
-          </a:stretch>
-        </p:blipFill>
-        <p:spPr bwMode="auto">
-          <a:xfrm>
-            <a:off x="3552825" y="2171700"/>
-            <a:ext cx="2038350" cy="2514600"/>
+        </p:nvSpPr>
+        <p:spPr>
+          <a:xfrm>
+            <a:off x="179512" y="116632"/>
+            <a:ext cx="8712968" cy="369332"/>
           </a:xfrm>
           <a:prstGeom prst="rect">
             <a:avLst/>
           </a:prstGeom>
           <a:noFill/>
-          <a:ln w="9525">
-            <a:noFill/>
-            <a:miter lim="800000"/>
-            <a:headEnd/>
-            <a:tailEnd/>
-          </a:ln>
-        </p:spPr>
-      </p:pic>
-      <p:sp>
-        <p:nvSpPr>
-          <p:cNvPr id="15" name="왼쪽으로 구부러진 화살표 14"/>
-          <p:cNvSpPr/>
-          <p:nvPr/>
-        </p:nvSpPr>
-        <p:spPr>
-          <a:xfrm>
-            <a:off x="5436096" y="3645024"/>
-            <a:ext cx="1331640" cy="1296144"/>
-          </a:xfrm>
-          <a:prstGeom prst="curvedLeftArrow">
-            <a:avLst/>
-          </a:prstGeom>
-          <a:solidFill>
-            <a:schemeClr val="bg1"/>
-          </a:solidFill>
-        </p:spPr>
-        <p:style>
-          <a:lnRef idx="2">
-            <a:schemeClr val="accent1">
-              <a:shade val="50000"/>
-            </a:schemeClr>
-          </a:lnRef>
-          <a:fillRef idx="1">
-            <a:schemeClr val="accent1"/>
-          </a:fillRef>
-          <a:effectRef idx="0">
-            <a:schemeClr val="accent1"/>
-          </a:effectRef>
-          <a:fontRef idx="minor">
-            <a:schemeClr val="lt1"/>
-          </a:fontRef>
-        </p:style>
-        <p:txBody>
-          <a:bodyPr rtlCol="0" anchor="ctr"/>
-          <a:lstStyle/>
-          <a:p>
-            <a:pPr algn="ctr"/>
-            <a:endParaRPr lang="ko-KR" altLang="en-US">
-              <a:solidFill>
-                <a:schemeClr val="tx1"/>
-              </a:solidFill>
-            </a:endParaRPr>
-          </a:p>
-        </p:txBody>
-      </p:sp>
-      <p:sp>
-        <p:nvSpPr>
-          <p:cNvPr id="18" name="사각형 설명선 17"/>
-          <p:cNvSpPr/>
-          <p:nvPr/>
-        </p:nvSpPr>
-        <p:spPr>
-          <a:xfrm>
-            <a:off x="5364088" y="980728"/>
-            <a:ext cx="2664296" cy="1224136"/>
-          </a:xfrm>
-          <a:prstGeom prst="wedgeRectCallout">
-            <a:avLst>
-              <a:gd name="adj1" fmla="val -44897"/>
-              <a:gd name="adj2" fmla="val 78813"/>
-            </a:avLst>
-          </a:prstGeom>
-          <a:solidFill>
-            <a:schemeClr val="bg1"/>
-          </a:solidFill>
-        </p:spPr>
-        <p:style>
-          <a:lnRef idx="2">
-            <a:schemeClr val="accent1">
-              <a:shade val="50000"/>
-            </a:schemeClr>
-          </a:lnRef>
-          <a:fillRef idx="1">
-            <a:schemeClr val="accent1"/>
-          </a:fillRef>
-          <a:effectRef idx="0">
-            <a:schemeClr val="accent1"/>
-          </a:effectRef>
-          <a:fontRef idx="minor">
-            <a:schemeClr val="lt1"/>
-          </a:fontRef>
-        </p:style>
-        <p:txBody>
-          <a:bodyPr rtlCol="0" anchor="ctr"/>
-          <a:lstStyle/>
-          <a:p>
-            <a:pPr marL="84138" indent="-84138">
-              <a:buFont typeface="Arial" pitchFamily="34" charset="0"/>
-              <a:buChar char="•"/>
-            </a:pPr>
-            <a:r>
-              <a:rPr lang="ko-KR" altLang="en-US" sz="1000" dirty="0" smtClean="0">
-                <a:solidFill>
-                  <a:srgbClr val="7030A0"/>
-                </a:solidFill>
-              </a:rPr>
-              <a:t>오브젝트가 </a:t>
-            </a:r>
-            <a:r>
-              <a:rPr lang="ko-KR" altLang="en-US" sz="1000" dirty="0" err="1" smtClean="0">
-                <a:solidFill>
-                  <a:srgbClr val="7030A0"/>
-                </a:solidFill>
-              </a:rPr>
-              <a:t>한바퀴</a:t>
-            </a:r>
-            <a:r>
-              <a:rPr lang="ko-KR" altLang="en-US" sz="1000" dirty="0" smtClean="0">
-                <a:solidFill>
-                  <a:srgbClr val="7030A0"/>
-                </a:solidFill>
-              </a:rPr>
-              <a:t> 회전하거나 </a:t>
-            </a:r>
-            <a:r>
-              <a:rPr lang="en-US" altLang="ko-KR" sz="1000" dirty="0" smtClean="0">
-                <a:solidFill>
-                  <a:srgbClr val="7030A0"/>
-                </a:solidFill>
-              </a:rPr>
-              <a:t>[</a:t>
-            </a:r>
-            <a:r>
-              <a:rPr lang="ko-KR" altLang="en-US" sz="1000" dirty="0" smtClean="0">
-                <a:solidFill>
-                  <a:srgbClr val="7030A0"/>
-                </a:solidFill>
-              </a:rPr>
-              <a:t>스페이스</a:t>
-            </a:r>
-            <a:r>
-              <a:rPr lang="en-US" altLang="ko-KR" sz="1000" dirty="0" smtClean="0">
-                <a:solidFill>
-                  <a:srgbClr val="7030A0"/>
-                </a:solidFill>
-              </a:rPr>
-              <a:t>]</a:t>
-            </a:r>
-            <a:r>
-              <a:rPr lang="ko-KR" altLang="en-US" sz="1000" dirty="0" smtClean="0">
-                <a:solidFill>
-                  <a:srgbClr val="7030A0"/>
-                </a:solidFill>
-              </a:rPr>
-              <a:t> </a:t>
-            </a:r>
-            <a:r>
-              <a:rPr lang="ko-KR" altLang="en-US" sz="1000" dirty="0" smtClean="0">
-                <a:solidFill>
-                  <a:srgbClr val="7030A0"/>
-                </a:solidFill>
-              </a:rPr>
-              <a:t>키를 입력 받으면 다음 오브젝트 </a:t>
-            </a:r>
-            <a:r>
-              <a:rPr lang="ko-KR" altLang="en-US" sz="1000" dirty="0" err="1" smtClean="0">
-                <a:solidFill>
-                  <a:srgbClr val="7030A0"/>
-                </a:solidFill>
-              </a:rPr>
-              <a:t>인트로로</a:t>
-            </a:r>
-            <a:r>
-              <a:rPr lang="ko-KR" altLang="en-US" sz="1000" dirty="0" smtClean="0">
-                <a:solidFill>
-                  <a:srgbClr val="7030A0"/>
-                </a:solidFill>
-              </a:rPr>
-              <a:t> 전환</a:t>
-            </a:r>
-            <a:endParaRPr lang="en-US" altLang="ko-KR" sz="1000" dirty="0" smtClean="0">
-              <a:solidFill>
-                <a:srgbClr val="7030A0"/>
-              </a:solidFill>
-            </a:endParaRPr>
-          </a:p>
-          <a:p>
-            <a:pPr marL="84138" indent="-84138">
-              <a:buFont typeface="Arial" pitchFamily="34" charset="0"/>
-              <a:buChar char="•"/>
-            </a:pPr>
-            <a:r>
-              <a:rPr lang="ko-KR" altLang="en-US" sz="1000" dirty="0" err="1" smtClean="0">
-                <a:solidFill>
-                  <a:srgbClr val="7030A0"/>
-                </a:solidFill>
-              </a:rPr>
-              <a:t>인트로</a:t>
-            </a:r>
-            <a:r>
-              <a:rPr lang="ko-KR" altLang="en-US" sz="1000" dirty="0" smtClean="0">
-                <a:solidFill>
-                  <a:srgbClr val="7030A0"/>
-                </a:solidFill>
-              </a:rPr>
-              <a:t> 중에 다른 입력</a:t>
-            </a:r>
-            <a:r>
-              <a:rPr lang="en-US" altLang="ko-KR" sz="1000" dirty="0" smtClean="0">
-                <a:solidFill>
-                  <a:srgbClr val="7030A0"/>
-                </a:solidFill>
-              </a:rPr>
-              <a:t>(DDS</a:t>
-            </a:r>
-            <a:r>
-              <a:rPr lang="ko-KR" altLang="en-US" sz="1000" dirty="0" smtClean="0">
-                <a:solidFill>
-                  <a:srgbClr val="7030A0"/>
-                </a:solidFill>
-              </a:rPr>
-              <a:t>를 통하여 수신하는 표적 좌표 등</a:t>
-            </a:r>
-            <a:r>
-              <a:rPr lang="en-US" altLang="ko-KR" sz="1000" dirty="0" smtClean="0">
-                <a:solidFill>
-                  <a:srgbClr val="7030A0"/>
-                </a:solidFill>
-              </a:rPr>
-              <a:t>)</a:t>
-            </a:r>
-            <a:r>
-              <a:rPr lang="ko-KR" altLang="en-US" sz="1000" dirty="0" smtClean="0">
-                <a:solidFill>
-                  <a:srgbClr val="7030A0"/>
-                </a:solidFill>
-              </a:rPr>
-              <a:t>은 모두 무시된다</a:t>
-            </a:r>
-            <a:r>
-              <a:rPr lang="en-US" altLang="ko-KR" sz="1000" dirty="0" smtClean="0">
-                <a:solidFill>
-                  <a:srgbClr val="7030A0"/>
-                </a:solidFill>
-              </a:rPr>
-              <a:t>.</a:t>
-            </a:r>
-            <a:endParaRPr lang="ko-KR" altLang="en-US" sz="1000" dirty="0">
-              <a:solidFill>
-                <a:srgbClr val="7030A0"/>
-              </a:solidFill>
-            </a:endParaRPr>
-          </a:p>
-        </p:txBody>
-      </p:sp>
-      <p:sp>
-        <p:nvSpPr>
-          <p:cNvPr id="20" name="사각형 설명선 19"/>
-          <p:cNvSpPr/>
-          <p:nvPr/>
-        </p:nvSpPr>
-        <p:spPr>
-          <a:xfrm>
-            <a:off x="539552" y="692696"/>
-            <a:ext cx="2664296" cy="936104"/>
-          </a:xfrm>
-          <a:prstGeom prst="wedgeRectCallout">
-            <a:avLst>
-              <a:gd name="adj1" fmla="val 10726"/>
-              <a:gd name="adj2" fmla="val 89116"/>
-            </a:avLst>
-          </a:prstGeom>
-          <a:solidFill>
-            <a:schemeClr val="bg1"/>
-          </a:solidFill>
-        </p:spPr>
-        <p:style>
-          <a:lnRef idx="2">
-            <a:schemeClr val="accent1">
-              <a:shade val="50000"/>
-            </a:schemeClr>
-          </a:lnRef>
-          <a:fillRef idx="1">
-            <a:schemeClr val="accent1"/>
-          </a:fillRef>
-          <a:effectRef idx="0">
-            <a:schemeClr val="accent1"/>
-          </a:effectRef>
-          <a:fontRef idx="minor">
-            <a:schemeClr val="lt1"/>
-          </a:fontRef>
-        </p:style>
-        <p:txBody>
-          <a:bodyPr rtlCol="0" anchor="ctr"/>
-          <a:lstStyle/>
-          <a:p>
-            <a:pPr marL="84138" indent="-84138">
-              <a:buFont typeface="Arial" pitchFamily="34" charset="0"/>
-              <a:buChar char="•"/>
-            </a:pPr>
-            <a:r>
-              <a:rPr lang="ko-KR" altLang="en-US" sz="1000" dirty="0" smtClean="0">
-                <a:solidFill>
-                  <a:srgbClr val="7030A0"/>
-                </a:solidFill>
-              </a:rPr>
-              <a:t>모든 오브젝트 </a:t>
-            </a:r>
-            <a:r>
-              <a:rPr lang="ko-KR" altLang="en-US" sz="1000" dirty="0" err="1" smtClean="0">
-                <a:solidFill>
-                  <a:srgbClr val="7030A0"/>
-                </a:solidFill>
-              </a:rPr>
-              <a:t>인트로</a:t>
-            </a:r>
-            <a:r>
-              <a:rPr lang="ko-KR" altLang="en-US" sz="1000" dirty="0" smtClean="0">
-                <a:solidFill>
-                  <a:srgbClr val="7030A0"/>
-                </a:solidFill>
-              </a:rPr>
-              <a:t> 끝나면 </a:t>
-            </a:r>
-            <a:r>
-              <a:rPr lang="ko-KR" altLang="en-US" sz="1000" dirty="0" err="1" smtClean="0">
-                <a:solidFill>
-                  <a:srgbClr val="7030A0"/>
-                </a:solidFill>
-              </a:rPr>
-              <a:t>인트로</a:t>
-            </a:r>
-            <a:r>
-              <a:rPr lang="ko-KR" altLang="en-US" sz="1000" dirty="0" smtClean="0">
-                <a:solidFill>
-                  <a:srgbClr val="7030A0"/>
-                </a:solidFill>
-              </a:rPr>
-              <a:t> 화면 </a:t>
-            </a:r>
-            <a:r>
-              <a:rPr lang="ko-KR" altLang="en-US" sz="1000" dirty="0" smtClean="0">
-                <a:solidFill>
-                  <a:srgbClr val="7030A0"/>
-                </a:solidFill>
-              </a:rPr>
-              <a:t>사라지고</a:t>
-            </a:r>
-            <a:r>
-              <a:rPr lang="en-US" altLang="ko-KR" sz="1000" dirty="0" smtClean="0">
-                <a:solidFill>
-                  <a:srgbClr val="7030A0"/>
-                </a:solidFill>
-              </a:rPr>
-              <a:t>, </a:t>
-            </a:r>
-            <a:r>
-              <a:rPr lang="ko-KR" altLang="en-US" sz="1000" dirty="0" smtClean="0">
-                <a:solidFill>
-                  <a:srgbClr val="7030A0"/>
-                </a:solidFill>
-              </a:rPr>
-              <a:t>메인 화면으로 전환됨</a:t>
-            </a:r>
-            <a:r>
-              <a:rPr lang="en-US" altLang="ko-KR" sz="1000" dirty="0" smtClean="0">
-                <a:solidFill>
-                  <a:srgbClr val="7030A0"/>
-                </a:solidFill>
-              </a:rPr>
-              <a:t>.</a:t>
-            </a:r>
-            <a:endParaRPr lang="en-US" altLang="ko-KR" sz="1000" dirty="0" smtClean="0">
-              <a:solidFill>
-                <a:srgbClr val="7030A0"/>
-              </a:solidFill>
-            </a:endParaRPr>
-          </a:p>
-          <a:p>
-            <a:pPr marL="84138" indent="-84138">
-              <a:buFont typeface="Arial" pitchFamily="34" charset="0"/>
-              <a:buChar char="•"/>
-            </a:pPr>
-            <a:endParaRPr lang="ko-KR" altLang="en-US" sz="1000" dirty="0">
-              <a:solidFill>
-                <a:srgbClr val="7030A0"/>
-              </a:solidFill>
-            </a:endParaRPr>
-          </a:p>
-        </p:txBody>
-      </p:sp>
-      <p:sp>
-        <p:nvSpPr>
-          <p:cNvPr id="16" name="TextBox 15"/>
-          <p:cNvSpPr txBox="1"/>
-          <p:nvPr/>
-        </p:nvSpPr>
-        <p:spPr>
-          <a:xfrm>
-            <a:off x="179512" y="116632"/>
-            <a:ext cx="8712968" cy="369332"/>
-          </a:xfrm>
-          <a:prstGeom prst="rect">
-            <a:avLst/>
-          </a:prstGeom>
-          <a:noFill/>
         </p:spPr>
         <p:txBody>
           <a:bodyPr wrap="square" rtlCol="0">
@@ -4417,20 +4030,16 @@
           <a:lstStyle/>
           <a:p>
             <a:r>
-              <a:rPr lang="ko-KR" altLang="en-US" b="1" dirty="0" err="1" smtClean="0"/>
-              <a:t>인트로</a:t>
-            </a:r>
-            <a:r>
-              <a:rPr lang="ko-KR" altLang="en-US" b="1" dirty="0" smtClean="0"/>
-              <a:t> 화면</a:t>
-            </a:r>
-            <a:endParaRPr lang="ko-KR" altLang="en-US" b="1" dirty="0"/>
-          </a:p>
-        </p:txBody>
-      </p:sp>
-      <p:sp>
-        <p:nvSpPr>
-          <p:cNvPr id="17" name="직사각형 16"/>
+              <a:rPr lang="ko-KR" altLang="en-US" b="1" smtClean="0"/>
+              <a:t>화면 배치</a:t>
+            </a:r>
+            <a:endParaRPr lang="ko-KR" altLang="en-US" b="1"/>
+          </a:p>
+        </p:txBody>
+      </p:sp>
+      <p:sp>
+        <p:nvSpPr>
+          <p:cNvPr id="16" name="직사각형 15"/>
           <p:cNvSpPr/>
           <p:nvPr/>
         </p:nvSpPr>
@@ -4507,7 +4116,7 @@
         </p:nvSpPr>
         <p:spPr>
           <a:xfrm>
-            <a:off x="972400" y="692696"/>
+            <a:off x="972400" y="836712"/>
             <a:ext cx="7200000" cy="5400000"/>
           </a:xfrm>
           <a:prstGeom prst="rect">
@@ -4541,14 +4150,114 @@
       </p:sp>
       <p:sp>
         <p:nvSpPr>
-          <p:cNvPr id="16" name="TextBox 15"/>
+          <p:cNvPr id="5" name="직사각형 4"/>
+          <p:cNvSpPr/>
+          <p:nvPr/>
+        </p:nvSpPr>
+        <p:spPr>
+          <a:xfrm>
+            <a:off x="1979712" y="1772816"/>
+            <a:ext cx="5288114" cy="3528392"/>
+          </a:xfrm>
+          <a:prstGeom prst="rect">
+            <a:avLst/>
+          </a:prstGeom>
+          <a:solidFill>
+            <a:schemeClr val="tx1">
+              <a:lumMod val="50000"/>
+              <a:lumOff val="50000"/>
+            </a:schemeClr>
+          </a:solidFill>
+        </p:spPr>
+        <p:style>
+          <a:lnRef idx="2">
+            <a:schemeClr val="accent1">
+              <a:shade val="50000"/>
+            </a:schemeClr>
+          </a:lnRef>
+          <a:fillRef idx="1">
+            <a:schemeClr val="accent1"/>
+          </a:fillRef>
+          <a:effectRef idx="0">
+            <a:schemeClr val="accent1"/>
+          </a:effectRef>
+          <a:fontRef idx="minor">
+            <a:schemeClr val="lt1"/>
+          </a:fontRef>
+        </p:style>
+        <p:txBody>
+          <a:bodyPr rtlCol="0" anchor="ctr"/>
+          <a:lstStyle/>
+          <a:p>
+            <a:pPr algn="ctr"/>
+            <a:r>
+              <a:rPr lang="ko-KR" altLang="en-US" dirty="0" err="1" smtClean="0"/>
+              <a:t>인트로</a:t>
+            </a:r>
+            <a:endParaRPr lang="en-US" altLang="ko-KR" dirty="0" smtClean="0"/>
+          </a:p>
+          <a:p>
+            <a:pPr algn="ctr"/>
+            <a:r>
+              <a:rPr lang="ko-KR" altLang="en-US" dirty="0" smtClean="0"/>
+              <a:t>화</a:t>
+            </a:r>
+            <a:r>
+              <a:rPr lang="ko-KR" altLang="en-US" dirty="0"/>
+              <a:t>면</a:t>
+            </a:r>
+          </a:p>
+        </p:txBody>
+      </p:sp>
+      <p:cxnSp>
+        <p:nvCxnSpPr>
+          <p:cNvPr id="7" name="직선 화살표 연결선 6"/>
+          <p:cNvCxnSpPr>
+            <a:stCxn id="4" idx="0"/>
+          </p:cNvCxnSpPr>
+          <p:nvPr/>
+        </p:nvCxnSpPr>
+        <p:spPr>
+          <a:xfrm>
+            <a:off x="4572400" y="836712"/>
+            <a:ext cx="10110" cy="960557"/>
+          </a:xfrm>
+          <a:prstGeom prst="straightConnector1">
+            <a:avLst/>
+          </a:prstGeom>
+          <a:ln>
+            <a:solidFill>
+              <a:schemeClr val="tx1"/>
+            </a:solidFill>
+            <a:headEnd type="none" w="med" len="med"/>
+            <a:tailEnd type="triangle" w="med" len="med"/>
+          </a:ln>
+        </p:spPr>
+        <p:style>
+          <a:lnRef idx="1">
+            <a:schemeClr val="accent1"/>
+          </a:lnRef>
+          <a:fillRef idx="0">
+            <a:schemeClr val="accent1"/>
+          </a:fillRef>
+          <a:effectRef idx="0">
+            <a:schemeClr val="accent1"/>
+          </a:effectRef>
+          <a:fontRef idx="minor">
+            <a:schemeClr val="tx1"/>
+          </a:fontRef>
+        </p:style>
+      </p:cxnSp>
+      <p:sp>
+        <p:nvSpPr>
+          <p:cNvPr id="11" name="TextBox 10"/>
           <p:cNvSpPr txBox="1"/>
           <p:nvPr/>
         </p:nvSpPr>
         <p:spPr>
           <a:xfrm>
-            <a:off x="179512" y="116632"/>
-            <a:ext cx="8712968" cy="369332"/>
+            <a:off x="4644008" y="1052736"/>
+            <a:ext cx="720080" cy="369332"/>
           </a:xfrm>
           <a:prstGeom prst="rect">
             <a:avLst/>
@@ -4562,18 +4271,219 @@
           <a:lstStyle/>
           <a:p>
             <a:r>
-              <a:rPr lang="ko-KR" altLang="en-US" b="1" dirty="0" smtClean="0"/>
-              <a:t>기본 화면</a:t>
-            </a:r>
-            <a:endParaRPr lang="ko-KR" altLang="en-US" b="1" dirty="0"/>
+              <a:rPr lang="en-US" altLang="ko-KR" dirty="0" smtClean="0"/>
+              <a:t>20%</a:t>
+            </a:r>
+            <a:endParaRPr lang="ko-KR" altLang="en-US" dirty="0"/>
+          </a:p>
+        </p:txBody>
+      </p:sp>
+      <p:cxnSp>
+        <p:nvCxnSpPr>
+          <p:cNvPr id="12" name="직선 화살표 연결선 11"/>
+          <p:cNvCxnSpPr/>
+          <p:nvPr/>
+        </p:nvCxnSpPr>
+        <p:spPr>
+          <a:xfrm flipH="1" flipV="1">
+            <a:off x="4572000" y="5301208"/>
+            <a:ext cx="4874" cy="936104"/>
+          </a:xfrm>
+          <a:prstGeom prst="straightConnector1">
+            <a:avLst/>
+          </a:prstGeom>
+          <a:ln>
+            <a:solidFill>
+              <a:schemeClr val="tx1"/>
+            </a:solidFill>
+            <a:headEnd type="none" w="med" len="med"/>
+            <a:tailEnd type="triangle" w="med" len="med"/>
+          </a:ln>
+        </p:spPr>
+        <p:style>
+          <a:lnRef idx="1">
+            <a:schemeClr val="accent1"/>
+          </a:lnRef>
+          <a:fillRef idx="0">
+            <a:schemeClr val="accent1"/>
+          </a:fillRef>
+          <a:effectRef idx="0">
+            <a:schemeClr val="accent1"/>
+          </a:effectRef>
+          <a:fontRef idx="minor">
+            <a:schemeClr val="tx1"/>
+          </a:fontRef>
+        </p:style>
+      </p:cxnSp>
+      <p:cxnSp>
+        <p:nvCxnSpPr>
+          <p:cNvPr id="13" name="직선 화살표 연결선 12"/>
+          <p:cNvCxnSpPr/>
+          <p:nvPr/>
+        </p:nvCxnSpPr>
+        <p:spPr>
+          <a:xfrm>
+            <a:off x="976474" y="3284984"/>
+            <a:ext cx="1003238" cy="0"/>
+          </a:xfrm>
+          <a:prstGeom prst="straightConnector1">
+            <a:avLst/>
+          </a:prstGeom>
+          <a:ln>
+            <a:solidFill>
+              <a:schemeClr val="tx1"/>
+            </a:solidFill>
+            <a:headEnd type="none" w="med" len="med"/>
+            <a:tailEnd type="triangle" w="med" len="med"/>
+          </a:ln>
+        </p:spPr>
+        <p:style>
+          <a:lnRef idx="1">
+            <a:schemeClr val="accent1"/>
+          </a:lnRef>
+          <a:fillRef idx="0">
+            <a:schemeClr val="accent1"/>
+          </a:fillRef>
+          <a:effectRef idx="0">
+            <a:schemeClr val="accent1"/>
+          </a:effectRef>
+          <a:fontRef idx="minor">
+            <a:schemeClr val="tx1"/>
+          </a:fontRef>
+        </p:style>
+      </p:cxnSp>
+      <p:cxnSp>
+        <p:nvCxnSpPr>
+          <p:cNvPr id="14" name="직선 화살표 연결선 13"/>
+          <p:cNvCxnSpPr/>
+          <p:nvPr/>
+        </p:nvCxnSpPr>
+        <p:spPr>
+          <a:xfrm flipH="1">
+            <a:off x="7236296" y="3356992"/>
+            <a:ext cx="940978" cy="0"/>
+          </a:xfrm>
+          <a:prstGeom prst="straightConnector1">
+            <a:avLst/>
+          </a:prstGeom>
+          <a:ln>
+            <a:solidFill>
+              <a:schemeClr val="tx1"/>
+            </a:solidFill>
+            <a:headEnd type="none" w="med" len="med"/>
+            <a:tailEnd type="triangle" w="med" len="med"/>
+          </a:ln>
+        </p:spPr>
+        <p:style>
+          <a:lnRef idx="1">
+            <a:schemeClr val="accent1"/>
+          </a:lnRef>
+          <a:fillRef idx="0">
+            <a:schemeClr val="accent1"/>
+          </a:fillRef>
+          <a:effectRef idx="0">
+            <a:schemeClr val="accent1"/>
+          </a:effectRef>
+          <a:fontRef idx="minor">
+            <a:schemeClr val="tx1"/>
+          </a:fontRef>
+        </p:style>
+      </p:cxnSp>
+      <p:sp>
+        <p:nvSpPr>
+          <p:cNvPr id="22" name="TextBox 21"/>
+          <p:cNvSpPr txBox="1"/>
+          <p:nvPr/>
+        </p:nvSpPr>
+        <p:spPr>
+          <a:xfrm>
+            <a:off x="1115616" y="2852936"/>
+            <a:ext cx="720080" cy="369332"/>
+          </a:xfrm>
+          <a:prstGeom prst="rect">
+            <a:avLst/>
+          </a:prstGeom>
+          <a:noFill/>
+        </p:spPr>
+        <p:txBody>
+          <a:bodyPr wrap="square" rtlCol="0">
+            <a:spAutoFit/>
+          </a:bodyPr>
+          <a:lstStyle/>
+          <a:p>
+            <a:r>
+              <a:rPr lang="en-US" altLang="ko-KR" dirty="0" smtClean="0"/>
+              <a:t>20%</a:t>
+            </a:r>
+            <a:endParaRPr lang="ko-KR" altLang="en-US" dirty="0"/>
+          </a:p>
+        </p:txBody>
+      </p:sp>
+      <p:sp>
+        <p:nvSpPr>
+          <p:cNvPr id="23" name="TextBox 22"/>
+          <p:cNvSpPr txBox="1"/>
+          <p:nvPr/>
+        </p:nvSpPr>
+        <p:spPr>
+          <a:xfrm>
+            <a:off x="4644008" y="5661248"/>
+            <a:ext cx="720080" cy="369332"/>
+          </a:xfrm>
+          <a:prstGeom prst="rect">
+            <a:avLst/>
+          </a:prstGeom>
+          <a:noFill/>
+        </p:spPr>
+        <p:txBody>
+          <a:bodyPr wrap="square" rtlCol="0">
+            <a:spAutoFit/>
+          </a:bodyPr>
+          <a:lstStyle/>
+          <a:p>
+            <a:r>
+              <a:rPr lang="en-US" altLang="ko-KR" dirty="0" smtClean="0"/>
+              <a:t>20%</a:t>
+            </a:r>
+            <a:endParaRPr lang="ko-KR" altLang="en-US" dirty="0"/>
+          </a:p>
+        </p:txBody>
+      </p:sp>
+      <p:sp>
+        <p:nvSpPr>
+          <p:cNvPr id="24" name="TextBox 23"/>
+          <p:cNvSpPr txBox="1"/>
+          <p:nvPr/>
+        </p:nvSpPr>
+        <p:spPr>
+          <a:xfrm>
+            <a:off x="7452320" y="2924944"/>
+            <a:ext cx="720080" cy="369332"/>
+          </a:xfrm>
+          <a:prstGeom prst="rect">
+            <a:avLst/>
+          </a:prstGeom>
+          <a:noFill/>
+        </p:spPr>
+        <p:txBody>
+          <a:bodyPr wrap="square" rtlCol="0">
+            <a:spAutoFit/>
+          </a:bodyPr>
+          <a:lstStyle/>
+          <a:p>
+            <a:r>
+              <a:rPr lang="en-US" altLang="ko-KR" dirty="0" smtClean="0"/>
+              <a:t>20%</a:t>
+            </a:r>
+            <a:endParaRPr lang="ko-KR" altLang="en-US" dirty="0"/>
           </a:p>
         </p:txBody>
       </p:sp>
       <p:pic>
         <p:nvPicPr>
-          <p:cNvPr id="2" name="Picture 2"/>
-          <p:cNvPicPr preferRelativeResize="0">
-            <a:picLocks noChangeArrowheads="1"/>
+          <p:cNvPr id="1026" name="Picture 2"/>
+          <p:cNvPicPr>
+            <a:picLocks noChangeAspect="1" noChangeArrowheads="1"/>
           </p:cNvPicPr>
           <p:nvPr/>
         </p:nvPicPr>
@@ -4586,8 +4496,8 @@
         </p:blipFill>
         <p:spPr bwMode="auto">
           <a:xfrm>
-            <a:off x="970207" y="722050"/>
-            <a:ext cx="7200000" cy="5364000"/>
+            <a:off x="3552825" y="2171700"/>
+            <a:ext cx="2038350" cy="2514600"/>
           </a:xfrm>
           <a:prstGeom prst="rect">
             <a:avLst/>
@@ -4603,7 +4513,403 @@
       </p:pic>
       <p:sp>
         <p:nvSpPr>
-          <p:cNvPr id="19" name="직사각형 18"/>
+          <p:cNvPr id="15" name="왼쪽으로 구부러진 화살표 14"/>
+          <p:cNvSpPr/>
+          <p:nvPr/>
+        </p:nvSpPr>
+        <p:spPr>
+          <a:xfrm>
+            <a:off x="5436096" y="3645024"/>
+            <a:ext cx="1331640" cy="1296144"/>
+          </a:xfrm>
+          <a:prstGeom prst="curvedLeftArrow">
+            <a:avLst/>
+          </a:prstGeom>
+          <a:solidFill>
+            <a:schemeClr val="bg1"/>
+          </a:solidFill>
+        </p:spPr>
+        <p:style>
+          <a:lnRef idx="2">
+            <a:schemeClr val="accent1">
+              <a:shade val="50000"/>
+            </a:schemeClr>
+          </a:lnRef>
+          <a:fillRef idx="1">
+            <a:schemeClr val="accent1"/>
+          </a:fillRef>
+          <a:effectRef idx="0">
+            <a:schemeClr val="accent1"/>
+          </a:effectRef>
+          <a:fontRef idx="minor">
+            <a:schemeClr val="lt1"/>
+          </a:fontRef>
+        </p:style>
+        <p:txBody>
+          <a:bodyPr rtlCol="0" anchor="ctr"/>
+          <a:lstStyle/>
+          <a:p>
+            <a:pPr algn="ctr"/>
+            <a:endParaRPr lang="ko-KR" altLang="en-US">
+              <a:solidFill>
+                <a:schemeClr val="tx1"/>
+              </a:solidFill>
+            </a:endParaRPr>
+          </a:p>
+        </p:txBody>
+      </p:sp>
+      <p:sp>
+        <p:nvSpPr>
+          <p:cNvPr id="18" name="사각형 설명선 17"/>
+          <p:cNvSpPr/>
+          <p:nvPr/>
+        </p:nvSpPr>
+        <p:spPr>
+          <a:xfrm>
+            <a:off x="5364088" y="980728"/>
+            <a:ext cx="2664296" cy="1224136"/>
+          </a:xfrm>
+          <a:prstGeom prst="wedgeRectCallout">
+            <a:avLst>
+              <a:gd name="adj1" fmla="val -44897"/>
+              <a:gd name="adj2" fmla="val 78813"/>
+            </a:avLst>
+          </a:prstGeom>
+          <a:solidFill>
+            <a:schemeClr val="bg1"/>
+          </a:solidFill>
+        </p:spPr>
+        <p:style>
+          <a:lnRef idx="2">
+            <a:schemeClr val="accent1">
+              <a:shade val="50000"/>
+            </a:schemeClr>
+          </a:lnRef>
+          <a:fillRef idx="1">
+            <a:schemeClr val="accent1"/>
+          </a:fillRef>
+          <a:effectRef idx="0">
+            <a:schemeClr val="accent1"/>
+          </a:effectRef>
+          <a:fontRef idx="minor">
+            <a:schemeClr val="lt1"/>
+          </a:fontRef>
+        </p:style>
+        <p:txBody>
+          <a:bodyPr rtlCol="0" anchor="ctr"/>
+          <a:lstStyle/>
+          <a:p>
+            <a:pPr marL="84138" indent="-84138">
+              <a:buFont typeface="Arial" pitchFamily="34" charset="0"/>
+              <a:buChar char="•"/>
+            </a:pPr>
+            <a:r>
+              <a:rPr lang="ko-KR" altLang="en-US" sz="1000" dirty="0" smtClean="0">
+                <a:solidFill>
+                  <a:srgbClr val="7030A0"/>
+                </a:solidFill>
+              </a:rPr>
+              <a:t>오브젝트가 </a:t>
+            </a:r>
+            <a:r>
+              <a:rPr lang="ko-KR" altLang="en-US" sz="1000" dirty="0" err="1" smtClean="0">
+                <a:solidFill>
+                  <a:srgbClr val="7030A0"/>
+                </a:solidFill>
+              </a:rPr>
+              <a:t>한바퀴</a:t>
+            </a:r>
+            <a:r>
+              <a:rPr lang="ko-KR" altLang="en-US" sz="1000" dirty="0" smtClean="0">
+                <a:solidFill>
+                  <a:srgbClr val="7030A0"/>
+                </a:solidFill>
+              </a:rPr>
+              <a:t> 회전하거나 </a:t>
+            </a:r>
+            <a:r>
+              <a:rPr lang="en-US" altLang="ko-KR" sz="1000" dirty="0" smtClean="0">
+                <a:solidFill>
+                  <a:srgbClr val="7030A0"/>
+                </a:solidFill>
+              </a:rPr>
+              <a:t>[</a:t>
+            </a:r>
+            <a:r>
+              <a:rPr lang="ko-KR" altLang="en-US" sz="1000" dirty="0" smtClean="0">
+                <a:solidFill>
+                  <a:srgbClr val="7030A0"/>
+                </a:solidFill>
+              </a:rPr>
+              <a:t>스페이스</a:t>
+            </a:r>
+            <a:r>
+              <a:rPr lang="en-US" altLang="ko-KR" sz="1000" dirty="0" smtClean="0">
+                <a:solidFill>
+                  <a:srgbClr val="7030A0"/>
+                </a:solidFill>
+              </a:rPr>
+              <a:t>]</a:t>
+            </a:r>
+            <a:r>
+              <a:rPr lang="ko-KR" altLang="en-US" sz="1000" dirty="0" smtClean="0">
+                <a:solidFill>
+                  <a:srgbClr val="7030A0"/>
+                </a:solidFill>
+              </a:rPr>
+              <a:t> 키를 입력 받으면 다음 오브젝트 </a:t>
+            </a:r>
+            <a:r>
+              <a:rPr lang="ko-KR" altLang="en-US" sz="1000" dirty="0" err="1" smtClean="0">
+                <a:solidFill>
+                  <a:srgbClr val="7030A0"/>
+                </a:solidFill>
+              </a:rPr>
+              <a:t>인트로로</a:t>
+            </a:r>
+            <a:r>
+              <a:rPr lang="ko-KR" altLang="en-US" sz="1000" dirty="0" smtClean="0">
+                <a:solidFill>
+                  <a:srgbClr val="7030A0"/>
+                </a:solidFill>
+              </a:rPr>
+              <a:t> 전환</a:t>
+            </a:r>
+            <a:endParaRPr lang="en-US" altLang="ko-KR" sz="1000" dirty="0" smtClean="0">
+              <a:solidFill>
+                <a:srgbClr val="7030A0"/>
+              </a:solidFill>
+            </a:endParaRPr>
+          </a:p>
+          <a:p>
+            <a:pPr marL="84138" indent="-84138">
+              <a:buFont typeface="Arial" pitchFamily="34" charset="0"/>
+              <a:buChar char="•"/>
+            </a:pPr>
+            <a:r>
+              <a:rPr lang="ko-KR" altLang="en-US" sz="1000" dirty="0" err="1" smtClean="0">
+                <a:solidFill>
+                  <a:srgbClr val="7030A0"/>
+                </a:solidFill>
+              </a:rPr>
+              <a:t>인트로</a:t>
+            </a:r>
+            <a:r>
+              <a:rPr lang="ko-KR" altLang="en-US" sz="1000" dirty="0" smtClean="0">
+                <a:solidFill>
+                  <a:srgbClr val="7030A0"/>
+                </a:solidFill>
+              </a:rPr>
+              <a:t> 중에 다른 입력</a:t>
+            </a:r>
+            <a:r>
+              <a:rPr lang="en-US" altLang="ko-KR" sz="1000" dirty="0" smtClean="0">
+                <a:solidFill>
+                  <a:srgbClr val="7030A0"/>
+                </a:solidFill>
+              </a:rPr>
+              <a:t>(DDS</a:t>
+            </a:r>
+            <a:r>
+              <a:rPr lang="ko-KR" altLang="en-US" sz="1000" dirty="0" smtClean="0">
+                <a:solidFill>
+                  <a:srgbClr val="7030A0"/>
+                </a:solidFill>
+              </a:rPr>
+              <a:t>를 통하여 수신하는 표적 좌표 등</a:t>
+            </a:r>
+            <a:r>
+              <a:rPr lang="en-US" altLang="ko-KR" sz="1000" dirty="0" smtClean="0">
+                <a:solidFill>
+                  <a:srgbClr val="7030A0"/>
+                </a:solidFill>
+              </a:rPr>
+              <a:t>)</a:t>
+            </a:r>
+            <a:r>
+              <a:rPr lang="ko-KR" altLang="en-US" sz="1000" dirty="0" smtClean="0">
+                <a:solidFill>
+                  <a:srgbClr val="7030A0"/>
+                </a:solidFill>
+              </a:rPr>
+              <a:t>은 모두 무시된다</a:t>
+            </a:r>
+            <a:r>
+              <a:rPr lang="en-US" altLang="ko-KR" sz="1000" dirty="0" smtClean="0">
+                <a:solidFill>
+                  <a:srgbClr val="7030A0"/>
+                </a:solidFill>
+              </a:rPr>
+              <a:t>.</a:t>
+            </a:r>
+            <a:endParaRPr lang="ko-KR" altLang="en-US" sz="1000" dirty="0">
+              <a:solidFill>
+                <a:srgbClr val="7030A0"/>
+              </a:solidFill>
+            </a:endParaRPr>
+          </a:p>
+        </p:txBody>
+      </p:sp>
+      <p:sp>
+        <p:nvSpPr>
+          <p:cNvPr id="20" name="사각형 설명선 19"/>
+          <p:cNvSpPr/>
+          <p:nvPr/>
+        </p:nvSpPr>
+        <p:spPr>
+          <a:xfrm>
+            <a:off x="539552" y="692696"/>
+            <a:ext cx="2664296" cy="936104"/>
+          </a:xfrm>
+          <a:prstGeom prst="wedgeRectCallout">
+            <a:avLst>
+              <a:gd name="adj1" fmla="val 10726"/>
+              <a:gd name="adj2" fmla="val 89116"/>
+            </a:avLst>
+          </a:prstGeom>
+          <a:solidFill>
+            <a:schemeClr val="bg1"/>
+          </a:solidFill>
+        </p:spPr>
+        <p:style>
+          <a:lnRef idx="2">
+            <a:schemeClr val="accent1">
+              <a:shade val="50000"/>
+            </a:schemeClr>
+          </a:lnRef>
+          <a:fillRef idx="1">
+            <a:schemeClr val="accent1"/>
+          </a:fillRef>
+          <a:effectRef idx="0">
+            <a:schemeClr val="accent1"/>
+          </a:effectRef>
+          <a:fontRef idx="minor">
+            <a:schemeClr val="lt1"/>
+          </a:fontRef>
+        </p:style>
+        <p:txBody>
+          <a:bodyPr rtlCol="0" anchor="ctr"/>
+          <a:lstStyle/>
+          <a:p>
+            <a:pPr marL="84138" indent="-84138">
+              <a:buFont typeface="Arial" pitchFamily="34" charset="0"/>
+              <a:buChar char="•"/>
+            </a:pPr>
+            <a:r>
+              <a:rPr lang="ko-KR" altLang="en-US" sz="1000" dirty="0" smtClean="0">
+                <a:solidFill>
+                  <a:srgbClr val="7030A0"/>
+                </a:solidFill>
+              </a:rPr>
+              <a:t>모든 오브젝트 </a:t>
+            </a:r>
+            <a:r>
+              <a:rPr lang="ko-KR" altLang="en-US" sz="1000" dirty="0" err="1" smtClean="0">
+                <a:solidFill>
+                  <a:srgbClr val="7030A0"/>
+                </a:solidFill>
+              </a:rPr>
+              <a:t>인트로</a:t>
+            </a:r>
+            <a:r>
+              <a:rPr lang="ko-KR" altLang="en-US" sz="1000" dirty="0" smtClean="0">
+                <a:solidFill>
+                  <a:srgbClr val="7030A0"/>
+                </a:solidFill>
+              </a:rPr>
+              <a:t> 끝나면 </a:t>
+            </a:r>
+            <a:r>
+              <a:rPr lang="ko-KR" altLang="en-US" sz="1000" dirty="0" err="1" smtClean="0">
+                <a:solidFill>
+                  <a:srgbClr val="7030A0"/>
+                </a:solidFill>
+              </a:rPr>
+              <a:t>인트로</a:t>
+            </a:r>
+            <a:r>
+              <a:rPr lang="ko-KR" altLang="en-US" sz="1000" dirty="0" smtClean="0">
+                <a:solidFill>
+                  <a:srgbClr val="7030A0"/>
+                </a:solidFill>
+              </a:rPr>
+              <a:t> 화면 사라지고</a:t>
+            </a:r>
+            <a:r>
+              <a:rPr lang="en-US" altLang="ko-KR" sz="1000" dirty="0" smtClean="0">
+                <a:solidFill>
+                  <a:srgbClr val="7030A0"/>
+                </a:solidFill>
+              </a:rPr>
+              <a:t>, </a:t>
+            </a:r>
+            <a:r>
+              <a:rPr lang="ko-KR" altLang="en-US" sz="1000" dirty="0" smtClean="0">
+                <a:solidFill>
+                  <a:srgbClr val="7030A0"/>
+                </a:solidFill>
+              </a:rPr>
+              <a:t>메인 화면으로 전환됨</a:t>
+            </a:r>
+            <a:r>
+              <a:rPr lang="en-US" altLang="ko-KR" sz="1000" dirty="0" smtClean="0">
+                <a:solidFill>
+                  <a:srgbClr val="7030A0"/>
+                </a:solidFill>
+              </a:rPr>
+              <a:t>.</a:t>
+            </a:r>
+          </a:p>
+          <a:p>
+            <a:pPr marL="84138" indent="-84138">
+              <a:buFont typeface="Arial" pitchFamily="34" charset="0"/>
+              <a:buChar char="•"/>
+            </a:pPr>
+            <a:endParaRPr lang="ko-KR" altLang="en-US" sz="1000" dirty="0">
+              <a:solidFill>
+                <a:srgbClr val="7030A0"/>
+              </a:solidFill>
+            </a:endParaRPr>
+          </a:p>
+        </p:txBody>
+      </p:sp>
+      <p:sp>
+        <p:nvSpPr>
+          <p:cNvPr id="16" name="TextBox 15"/>
+          <p:cNvSpPr txBox="1"/>
+          <p:nvPr/>
+        </p:nvSpPr>
+        <p:spPr>
+          <a:xfrm>
+            <a:off x="179512" y="116632"/>
+            <a:ext cx="8712968" cy="369332"/>
+          </a:xfrm>
+          <a:prstGeom prst="rect">
+            <a:avLst/>
+          </a:prstGeom>
+          <a:noFill/>
+        </p:spPr>
+        <p:txBody>
+          <a:bodyPr wrap="square" rtlCol="0">
+            <a:spAutoFit/>
+          </a:bodyPr>
+          <a:lstStyle/>
+          <a:p>
+            <a:r>
+              <a:rPr lang="ko-KR" altLang="en-US" b="1" dirty="0" err="1" smtClean="0"/>
+              <a:t>인트로</a:t>
+            </a:r>
+            <a:r>
+              <a:rPr lang="ko-KR" altLang="en-US" b="1" dirty="0" smtClean="0"/>
+              <a:t> 화면</a:t>
+            </a:r>
+            <a:endParaRPr lang="ko-KR" altLang="en-US" b="1" dirty="0"/>
+          </a:p>
+        </p:txBody>
+      </p:sp>
+      <p:sp>
+        <p:nvSpPr>
+          <p:cNvPr id="17" name="직사각형 16"/>
           <p:cNvSpPr/>
           <p:nvPr/>
         </p:nvSpPr>
@@ -4644,326 +4950,6 @@
           <a:p>
             <a:pPr algn="ctr"/>
             <a:endParaRPr lang="ko-KR" altLang="en-US"/>
-          </a:p>
-        </p:txBody>
-      </p:sp>
-      <p:sp>
-        <p:nvSpPr>
-          <p:cNvPr id="21" name="직사각형 20"/>
-          <p:cNvSpPr/>
-          <p:nvPr/>
-        </p:nvSpPr>
-        <p:spPr>
-          <a:xfrm>
-            <a:off x="-812" y="6299380"/>
-            <a:ext cx="9144000" cy="548680"/>
-          </a:xfrm>
-          <a:prstGeom prst="rect">
-            <a:avLst/>
-          </a:prstGeom>
-          <a:solidFill>
-            <a:schemeClr val="accent4">
-              <a:lumMod val="75000"/>
-              <a:alpha val="41000"/>
-            </a:schemeClr>
-          </a:solidFill>
-        </p:spPr>
-        <p:style>
-          <a:lnRef idx="2">
-            <a:schemeClr val="accent1">
-              <a:shade val="50000"/>
-            </a:schemeClr>
-          </a:lnRef>
-          <a:fillRef idx="1">
-            <a:schemeClr val="accent1"/>
-          </a:fillRef>
-          <a:effectRef idx="0">
-            <a:schemeClr val="accent1"/>
-          </a:effectRef>
-          <a:fontRef idx="minor">
-            <a:schemeClr val="lt1"/>
-          </a:fontRef>
-        </p:style>
-        <p:txBody>
-          <a:bodyPr rtlCol="0" anchor="ctr"/>
-          <a:lstStyle/>
-          <a:p>
-            <a:pPr marL="93663" indent="-93663">
-              <a:buFont typeface="Arial" pitchFamily="34" charset="0"/>
-              <a:buChar char="•"/>
-            </a:pPr>
-            <a:r>
-              <a:rPr lang="ko-KR" altLang="en-US" sz="1000" dirty="0" smtClean="0">
-                <a:solidFill>
-                  <a:srgbClr val="FF0000"/>
-                </a:solidFill>
-              </a:rPr>
-              <a:t>기본 화면은 </a:t>
-            </a:r>
-            <a:r>
-              <a:rPr lang="en-US" altLang="ko-KR" sz="1000" dirty="0" smtClean="0">
-                <a:solidFill>
-                  <a:srgbClr val="FF0000"/>
-                </a:solidFill>
-              </a:rPr>
-              <a:t>Free Run mode </a:t>
-            </a:r>
-            <a:r>
-              <a:rPr lang="ko-KR" altLang="en-US" sz="1000" dirty="0" smtClean="0">
-                <a:solidFill>
-                  <a:srgbClr val="FF0000"/>
-                </a:solidFill>
-              </a:rPr>
-              <a:t>이며 </a:t>
-            </a:r>
-            <a:r>
-              <a:rPr lang="en-US" altLang="ko-KR" sz="1000" dirty="0" smtClean="0">
-                <a:solidFill>
-                  <a:srgbClr val="FF0000"/>
-                </a:solidFill>
-              </a:rPr>
-              <a:t>4</a:t>
-            </a:r>
-            <a:r>
-              <a:rPr lang="ko-KR" altLang="en-US" sz="1000" dirty="0" smtClean="0">
-                <a:solidFill>
-                  <a:srgbClr val="FF0000"/>
-                </a:solidFill>
-              </a:rPr>
-              <a:t>방향 키와 마우스를 이용하여 카메라의 </a:t>
-            </a:r>
-            <a:r>
-              <a:rPr lang="en-US" altLang="ko-KR" sz="1000" dirty="0" smtClean="0">
-                <a:solidFill>
-                  <a:srgbClr val="FF0000"/>
-                </a:solidFill>
-              </a:rPr>
-              <a:t>view point</a:t>
-            </a:r>
-            <a:r>
-              <a:rPr lang="ko-KR" altLang="en-US" sz="1000" dirty="0" smtClean="0">
-                <a:solidFill>
-                  <a:srgbClr val="FF0000"/>
-                </a:solidFill>
-              </a:rPr>
-              <a:t>를 제어한다</a:t>
-            </a:r>
-            <a:r>
-              <a:rPr lang="en-US" altLang="ko-KR" sz="1000" dirty="0" smtClean="0">
-                <a:solidFill>
-                  <a:srgbClr val="FF0000"/>
-                </a:solidFill>
-              </a:rPr>
-              <a:t>.</a:t>
-            </a:r>
-            <a:endParaRPr lang="ko-KR" altLang="en-US" sz="1000" dirty="0">
-              <a:solidFill>
-                <a:srgbClr val="FF0000"/>
-              </a:solidFill>
-            </a:endParaRPr>
-          </a:p>
-        </p:txBody>
-      </p:sp>
-      <p:sp>
-        <p:nvSpPr>
-          <p:cNvPr id="25" name="사각형 설명선 24"/>
-          <p:cNvSpPr/>
-          <p:nvPr/>
-        </p:nvSpPr>
-        <p:spPr>
-          <a:xfrm>
-            <a:off x="1835696" y="3212976"/>
-            <a:ext cx="3888432" cy="2016224"/>
-          </a:xfrm>
-          <a:prstGeom prst="wedgeRectCallout">
-            <a:avLst>
-              <a:gd name="adj1" fmla="val 37477"/>
-              <a:gd name="adj2" fmla="val -69854"/>
-            </a:avLst>
-          </a:prstGeom>
-          <a:solidFill>
-            <a:schemeClr val="bg1"/>
-          </a:solidFill>
-        </p:spPr>
-        <p:style>
-          <a:lnRef idx="2">
-            <a:schemeClr val="accent1">
-              <a:shade val="50000"/>
-            </a:schemeClr>
-          </a:lnRef>
-          <a:fillRef idx="1">
-            <a:schemeClr val="accent1"/>
-          </a:fillRef>
-          <a:effectRef idx="0">
-            <a:schemeClr val="accent1"/>
-          </a:effectRef>
-          <a:fontRef idx="minor">
-            <a:schemeClr val="lt1"/>
-          </a:fontRef>
-        </p:style>
-        <p:txBody>
-          <a:bodyPr rtlCol="0" anchor="ctr"/>
-          <a:lstStyle/>
-          <a:p>
-            <a:pPr marL="93663" indent="-93663">
-              <a:buFont typeface="Arial" pitchFamily="34" charset="0"/>
-              <a:buChar char="•"/>
-            </a:pPr>
-            <a:r>
-              <a:rPr lang="ko-KR" altLang="en-US" sz="1000" dirty="0" smtClean="0">
-                <a:solidFill>
-                  <a:srgbClr val="7030A0"/>
-                </a:solidFill>
-              </a:rPr>
-              <a:t>기본 화면에서 카메라의 위치는 </a:t>
-            </a:r>
-            <a:r>
-              <a:rPr lang="ko-KR" altLang="en-US" sz="1000" dirty="0" err="1" smtClean="0">
-                <a:solidFill>
-                  <a:srgbClr val="7030A0"/>
-                </a:solidFill>
-              </a:rPr>
-              <a:t>자함의</a:t>
-            </a:r>
-            <a:r>
-              <a:rPr lang="ko-KR" altLang="en-US" sz="1000" dirty="0" smtClean="0">
-                <a:solidFill>
-                  <a:srgbClr val="7030A0"/>
-                </a:solidFill>
-              </a:rPr>
-              <a:t> 뒤</a:t>
-            </a:r>
-            <a:r>
-              <a:rPr lang="en-US" altLang="ko-KR" sz="1000" dirty="0" smtClean="0">
-                <a:solidFill>
-                  <a:srgbClr val="7030A0"/>
-                </a:solidFill>
-              </a:rPr>
-              <a:t>, </a:t>
-            </a:r>
-            <a:r>
-              <a:rPr lang="ko-KR" altLang="en-US" sz="1000" dirty="0" smtClean="0">
-                <a:solidFill>
-                  <a:srgbClr val="7030A0"/>
-                </a:solidFill>
-              </a:rPr>
-              <a:t>상방에서 </a:t>
-            </a:r>
-            <a:r>
-              <a:rPr lang="ko-KR" altLang="en-US" sz="1000" dirty="0" err="1" smtClean="0">
-                <a:solidFill>
-                  <a:srgbClr val="7030A0"/>
-                </a:solidFill>
-              </a:rPr>
-              <a:t>자함의</a:t>
-            </a:r>
-            <a:r>
-              <a:rPr lang="ko-KR" altLang="en-US" sz="1000" dirty="0" smtClean="0">
-                <a:solidFill>
-                  <a:srgbClr val="7030A0"/>
-                </a:solidFill>
-              </a:rPr>
-              <a:t> 이동을 </a:t>
-            </a:r>
-            <a:r>
-              <a:rPr lang="ko-KR" altLang="en-US" sz="1000" dirty="0" err="1" smtClean="0">
-                <a:solidFill>
-                  <a:srgbClr val="7030A0"/>
-                </a:solidFill>
-              </a:rPr>
-              <a:t>추적하게된다</a:t>
-            </a:r>
-            <a:r>
-              <a:rPr lang="en-US" altLang="ko-KR" sz="1000" dirty="0" smtClean="0">
-                <a:solidFill>
-                  <a:srgbClr val="7030A0"/>
-                </a:solidFill>
-              </a:rPr>
-              <a:t>.</a:t>
-            </a:r>
-          </a:p>
-          <a:p>
-            <a:pPr marL="93663" indent="-93663">
-              <a:buFont typeface="Arial" pitchFamily="34" charset="0"/>
-              <a:buChar char="•"/>
-            </a:pPr>
-            <a:r>
-              <a:rPr lang="en-US" altLang="ko-KR" sz="1000" dirty="0" smtClean="0">
-                <a:solidFill>
-                  <a:srgbClr val="7030A0"/>
-                </a:solidFill>
-              </a:rPr>
-              <a:t>4 </a:t>
-            </a:r>
-            <a:r>
-              <a:rPr lang="ko-KR" altLang="en-US" sz="1000" dirty="0" smtClean="0">
-                <a:solidFill>
-                  <a:srgbClr val="7030A0"/>
-                </a:solidFill>
-              </a:rPr>
-              <a:t>방향키 및 마우스를 이용하여 카메라 </a:t>
-            </a:r>
-            <a:r>
-              <a:rPr lang="en-US" altLang="ko-KR" sz="1000" dirty="0" smtClean="0">
-                <a:solidFill>
-                  <a:srgbClr val="7030A0"/>
-                </a:solidFill>
-              </a:rPr>
-              <a:t>view point</a:t>
-            </a:r>
-            <a:r>
-              <a:rPr lang="ko-KR" altLang="en-US" sz="1000" dirty="0" smtClean="0">
-                <a:solidFill>
-                  <a:srgbClr val="7030A0"/>
-                </a:solidFill>
-              </a:rPr>
-              <a:t>를 제어한다</a:t>
-            </a:r>
-            <a:r>
-              <a:rPr lang="en-US" altLang="ko-KR" sz="1000" dirty="0" smtClean="0">
-                <a:solidFill>
-                  <a:srgbClr val="7030A0"/>
-                </a:solidFill>
-              </a:rPr>
-              <a:t>. View point </a:t>
-            </a:r>
-            <a:r>
-              <a:rPr lang="ko-KR" altLang="en-US" sz="1000" dirty="0" smtClean="0">
-                <a:solidFill>
-                  <a:srgbClr val="7030A0"/>
-                </a:solidFill>
-              </a:rPr>
-              <a:t>제어는 </a:t>
-            </a:r>
-            <a:r>
-              <a:rPr lang="en-US" altLang="ko-KR" sz="1000" dirty="0" smtClean="0">
-                <a:solidFill>
-                  <a:srgbClr val="7030A0"/>
-                </a:solidFill>
-              </a:rPr>
-              <a:t>OGRE </a:t>
-            </a:r>
-            <a:r>
-              <a:rPr lang="ko-KR" altLang="en-US" sz="1000" dirty="0" smtClean="0">
-                <a:solidFill>
-                  <a:srgbClr val="7030A0"/>
-                </a:solidFill>
-              </a:rPr>
-              <a:t>기본 기능을 사용한다</a:t>
-            </a:r>
-            <a:r>
-              <a:rPr lang="en-US" altLang="ko-KR" sz="1000" dirty="0" smtClean="0">
-                <a:solidFill>
-                  <a:srgbClr val="7030A0"/>
-                </a:solidFill>
-              </a:rPr>
-              <a:t>.</a:t>
-            </a:r>
-            <a:endParaRPr lang="ko-KR" altLang="en-US" sz="1000" dirty="0">
-              <a:solidFill>
-                <a:srgbClr val="7030A0"/>
-              </a:solidFill>
-            </a:endParaRPr>
           </a:p>
         </p:txBody>
       </p:sp>
@@ -5028,17 +5014,43 @@
           <a:lstStyle/>
           <a:p>
             <a:pPr algn="ctr"/>
-            <a:r>
-              <a:rPr lang="en-US" altLang="ko-KR" dirty="0" err="1" smtClean="0"/>
-              <a:t>rlrl</a:t>
-            </a:r>
-            <a:endParaRPr lang="ko-KR" altLang="en-US" dirty="0"/>
+            <a:endParaRPr lang="ko-KR" altLang="en-US"/>
+          </a:p>
+        </p:txBody>
+      </p:sp>
+      <p:sp>
+        <p:nvSpPr>
+          <p:cNvPr id="16" name="TextBox 15"/>
+          <p:cNvSpPr txBox="1"/>
+          <p:nvPr/>
+        </p:nvSpPr>
+        <p:spPr>
+          <a:xfrm>
+            <a:off x="179512" y="116632"/>
+            <a:ext cx="8712968" cy="369332"/>
+          </a:xfrm>
+          <a:prstGeom prst="rect">
+            <a:avLst/>
+          </a:prstGeom>
+          <a:noFill/>
+        </p:spPr>
+        <p:txBody>
+          <a:bodyPr wrap="square" rtlCol="0">
+            <a:spAutoFit/>
+          </a:bodyPr>
+          <a:lstStyle/>
+          <a:p>
+            <a:r>
+              <a:rPr lang="ko-KR" altLang="en-US" b="1" dirty="0" smtClean="0"/>
+              <a:t>기본 화면</a:t>
+            </a:r>
+            <a:endParaRPr lang="ko-KR" altLang="en-US" b="1" dirty="0"/>
           </a:p>
         </p:txBody>
       </p:sp>
       <p:pic>
         <p:nvPicPr>
-          <p:cNvPr id="33" name="Picture 2"/>
+          <p:cNvPr id="2" name="Picture 2"/>
           <p:cNvPicPr preferRelativeResize="0">
             <a:picLocks noChangeArrowheads="1"/>
           </p:cNvPicPr>
@@ -5070,56 +5082,22 @@
       </p:pic>
       <p:sp>
         <p:nvSpPr>
-          <p:cNvPr id="16" name="TextBox 15"/>
-          <p:cNvSpPr txBox="1"/>
-          <p:nvPr/>
-        </p:nvSpPr>
-        <p:spPr>
-          <a:xfrm>
-            <a:off x="179512" y="116632"/>
-            <a:ext cx="8712968" cy="369332"/>
-          </a:xfrm>
-          <a:prstGeom prst="rect">
-            <a:avLst/>
-          </a:prstGeom>
-          <a:noFill/>
-        </p:spPr>
-        <p:txBody>
-          <a:bodyPr wrap="square" rtlCol="0">
-            <a:spAutoFit/>
-          </a:bodyPr>
-          <a:lstStyle/>
-          <a:p>
-            <a:r>
-              <a:rPr lang="en-US" altLang="ko-KR" b="1" dirty="0" smtClean="0"/>
-              <a:t>Target Chase Mode</a:t>
-            </a:r>
-            <a:r>
-              <a:rPr lang="ko-KR" altLang="en-US" b="1" dirty="0" smtClean="0"/>
-              <a:t> 화면</a:t>
-            </a:r>
-            <a:endParaRPr lang="ko-KR" altLang="en-US" b="1" dirty="0"/>
-          </a:p>
-        </p:txBody>
-      </p:sp>
-      <p:sp>
-        <p:nvSpPr>
-          <p:cNvPr id="5" name="직사각형 4"/>
+          <p:cNvPr id="19" name="직사각형 18"/>
           <p:cNvSpPr/>
           <p:nvPr/>
         </p:nvSpPr>
         <p:spPr>
           <a:xfrm>
-            <a:off x="5076056" y="980728"/>
-            <a:ext cx="2695826" cy="1872208"/>
+            <a:off x="0" y="0"/>
+            <a:ext cx="9144000" cy="548680"/>
           </a:xfrm>
           <a:prstGeom prst="rect">
             <a:avLst/>
           </a:prstGeom>
           <a:solidFill>
-            <a:schemeClr val="tx1">
-              <a:lumMod val="50000"/>
-              <a:lumOff val="50000"/>
+            <a:schemeClr val="accent4">
+              <a:lumMod val="75000"/>
+              <a:alpha val="41000"/>
             </a:schemeClr>
           </a:solidFill>
         </p:spPr>
@@ -5144,301 +5122,130 @@
           <a:lstStyle/>
           <a:p>
             <a:pPr algn="ctr"/>
-            <a:r>
-              <a:rPr lang="en-US" altLang="ko-KR" dirty="0" smtClean="0"/>
-              <a:t>Target Chase</a:t>
-            </a:r>
-          </a:p>
-          <a:p>
-            <a:pPr algn="ctr"/>
-            <a:r>
-              <a:rPr lang="ko-KR" altLang="en-US" dirty="0" smtClean="0"/>
-              <a:t>화</a:t>
-            </a:r>
-            <a:r>
-              <a:rPr lang="ko-KR" altLang="en-US" dirty="0"/>
-              <a:t>면</a:t>
-            </a:r>
-          </a:p>
-        </p:txBody>
-      </p:sp>
-      <p:sp>
-        <p:nvSpPr>
-          <p:cNvPr id="7" name="TextBox 6"/>
-          <p:cNvSpPr txBox="1"/>
+            <a:endParaRPr lang="ko-KR" altLang="en-US"/>
+          </a:p>
+        </p:txBody>
+      </p:sp>
+      <p:sp>
+        <p:nvSpPr>
+          <p:cNvPr id="21" name="직사각형 20"/>
+          <p:cNvSpPr/>
           <p:nvPr/>
         </p:nvSpPr>
         <p:spPr>
           <a:xfrm>
-            <a:off x="5508104" y="620688"/>
-            <a:ext cx="720080" cy="369332"/>
+            <a:off x="-812" y="6299380"/>
+            <a:ext cx="9144000" cy="548680"/>
           </a:xfrm>
           <a:prstGeom prst="rect">
             <a:avLst/>
           </a:prstGeom>
-          <a:noFill/>
-        </p:spPr>
-        <p:txBody>
-          <a:bodyPr wrap="square" rtlCol="0">
-            <a:spAutoFit/>
-          </a:bodyPr>
-          <a:lstStyle/>
-          <a:p>
-            <a:r>
-              <a:rPr lang="en-US" altLang="ko-KR" dirty="0" smtClean="0"/>
-              <a:t>5%</a:t>
-            </a:r>
-            <a:endParaRPr lang="ko-KR" altLang="en-US" dirty="0"/>
-          </a:p>
-        </p:txBody>
-      </p:sp>
-      <p:cxnSp>
-        <p:nvCxnSpPr>
-          <p:cNvPr id="8" name="직선 화살표 연결선 7"/>
-          <p:cNvCxnSpPr>
-            <a:endCxn id="5" idx="2"/>
-          </p:cNvCxnSpPr>
-          <p:nvPr/>
-        </p:nvCxnSpPr>
-        <p:spPr>
-          <a:xfrm flipH="1" flipV="1">
-            <a:off x="6423969" y="2852936"/>
-            <a:ext cx="20239" cy="3240360"/>
-          </a:xfrm>
-          <a:prstGeom prst="straightConnector1">
-            <a:avLst/>
-          </a:prstGeom>
-          <a:ln>
-            <a:solidFill>
-              <a:schemeClr val="tx1"/>
-            </a:solidFill>
-            <a:headEnd type="none" w="med" len="med"/>
-            <a:tailEnd type="triangle" w="med" len="med"/>
-          </a:ln>
+          <a:solidFill>
+            <a:schemeClr val="accent4">
+              <a:lumMod val="75000"/>
+              <a:alpha val="41000"/>
+            </a:schemeClr>
+          </a:solidFill>
         </p:spPr>
         <p:style>
-          <a:lnRef idx="1">
-            <a:schemeClr val="accent1"/>
+          <a:lnRef idx="2">
+            <a:schemeClr val="accent1">
+              <a:shade val="50000"/>
+            </a:schemeClr>
           </a:lnRef>
-          <a:fillRef idx="0">
+          <a:fillRef idx="1">
             <a:schemeClr val="accent1"/>
           </a:fillRef>
           <a:effectRef idx="0">
             <a:schemeClr val="accent1"/>
           </a:effectRef>
           <a:fontRef idx="minor">
-            <a:schemeClr val="tx1"/>
+            <a:schemeClr val="lt1"/>
           </a:fontRef>
         </p:style>
-      </p:cxnSp>
-      <p:cxnSp>
-        <p:nvCxnSpPr>
-          <p:cNvPr id="9" name="직선 화살표 연결선 8"/>
-          <p:cNvCxnSpPr>
-            <a:endCxn id="5" idx="1"/>
-          </p:cNvCxnSpPr>
-          <p:nvPr/>
-        </p:nvCxnSpPr>
-        <p:spPr>
-          <a:xfrm>
-            <a:off x="971600" y="1916832"/>
-            <a:ext cx="4104456" cy="0"/>
-          </a:xfrm>
-          <a:prstGeom prst="straightConnector1">
-            <a:avLst/>
-          </a:prstGeom>
-          <a:ln>
-            <a:solidFill>
-              <a:schemeClr val="tx1"/>
-            </a:solidFill>
-            <a:headEnd type="none" w="med" len="med"/>
-            <a:tailEnd type="triangle" w="med" len="med"/>
-          </a:ln>
-        </p:spPr>
-        <p:style>
-          <a:lnRef idx="1">
-            <a:schemeClr val="accent1"/>
-          </a:lnRef>
-          <a:fillRef idx="0">
-            <a:schemeClr val="accent1"/>
-          </a:fillRef>
-          <a:effectRef idx="0">
-            <a:schemeClr val="accent1"/>
-          </a:effectRef>
-          <a:fontRef idx="minor">
-            <a:schemeClr val="tx1"/>
-          </a:fontRef>
-        </p:style>
-      </p:cxnSp>
-      <p:cxnSp>
-        <p:nvCxnSpPr>
-          <p:cNvPr id="10" name="직선 화살표 연결선 9"/>
-          <p:cNvCxnSpPr>
-            <a:endCxn id="5" idx="3"/>
-          </p:cNvCxnSpPr>
-          <p:nvPr/>
-        </p:nvCxnSpPr>
-        <p:spPr>
-          <a:xfrm flipH="1">
-            <a:off x="7771882" y="1916832"/>
-            <a:ext cx="400518" cy="0"/>
-          </a:xfrm>
-          <a:prstGeom prst="straightConnector1">
-            <a:avLst/>
-          </a:prstGeom>
-          <a:ln>
-            <a:solidFill>
-              <a:schemeClr val="tx1"/>
-            </a:solidFill>
-            <a:headEnd type="none" w="med" len="med"/>
-            <a:tailEnd type="triangle" w="med" len="med"/>
-          </a:ln>
-        </p:spPr>
-        <p:style>
-          <a:lnRef idx="1">
-            <a:schemeClr val="accent1"/>
-          </a:lnRef>
-          <a:fillRef idx="0">
-            <a:schemeClr val="accent1"/>
-          </a:fillRef>
-          <a:effectRef idx="0">
-            <a:schemeClr val="accent1"/>
-          </a:effectRef>
-          <a:fontRef idx="minor">
-            <a:schemeClr val="tx1"/>
-          </a:fontRef>
-        </p:style>
-      </p:cxnSp>
-      <p:sp>
-        <p:nvSpPr>
-          <p:cNvPr id="11" name="TextBox 10"/>
-          <p:cNvSpPr txBox="1"/>
-          <p:nvPr/>
-        </p:nvSpPr>
-        <p:spPr>
-          <a:xfrm>
-            <a:off x="1907704" y="1988840"/>
-            <a:ext cx="720080" cy="369332"/>
-          </a:xfrm>
-          <a:prstGeom prst="rect">
-            <a:avLst/>
-          </a:prstGeom>
-          <a:noFill/>
-        </p:spPr>
-        <p:txBody>
-          <a:bodyPr wrap="square" rtlCol="0">
-            <a:spAutoFit/>
-          </a:bodyPr>
-          <a:lstStyle/>
-          <a:p>
-            <a:r>
-              <a:rPr lang="en-US" altLang="ko-KR" dirty="0" smtClean="0"/>
-              <a:t>65%</a:t>
-            </a:r>
-            <a:endParaRPr lang="ko-KR" altLang="en-US" dirty="0"/>
-          </a:p>
-        </p:txBody>
-      </p:sp>
-      <p:sp>
-        <p:nvSpPr>
-          <p:cNvPr id="12" name="TextBox 11"/>
-          <p:cNvSpPr txBox="1"/>
-          <p:nvPr/>
-        </p:nvSpPr>
-        <p:spPr>
-          <a:xfrm>
-            <a:off x="6516216" y="4077072"/>
-            <a:ext cx="720080" cy="369332"/>
-          </a:xfrm>
-          <a:prstGeom prst="rect">
-            <a:avLst/>
-          </a:prstGeom>
-          <a:noFill/>
-        </p:spPr>
-        <p:txBody>
-          <a:bodyPr wrap="square" rtlCol="0">
-            <a:spAutoFit/>
-          </a:bodyPr>
-          <a:lstStyle/>
-          <a:p>
-            <a:r>
-              <a:rPr lang="en-US" altLang="ko-KR" dirty="0" smtClean="0"/>
-              <a:t>65%</a:t>
-            </a:r>
-            <a:endParaRPr lang="ko-KR" altLang="en-US" dirty="0"/>
-          </a:p>
-        </p:txBody>
-      </p:sp>
-      <p:sp>
-        <p:nvSpPr>
-          <p:cNvPr id="13" name="TextBox 12"/>
-          <p:cNvSpPr txBox="1"/>
-          <p:nvPr/>
-        </p:nvSpPr>
-        <p:spPr>
-          <a:xfrm>
-            <a:off x="7740352" y="1988840"/>
-            <a:ext cx="720080" cy="369332"/>
-          </a:xfrm>
-          <a:prstGeom prst="rect">
-            <a:avLst/>
-          </a:prstGeom>
-          <a:noFill/>
-        </p:spPr>
-        <p:txBody>
-          <a:bodyPr wrap="square" rtlCol="0">
-            <a:spAutoFit/>
-          </a:bodyPr>
-          <a:lstStyle/>
-          <a:p>
-            <a:r>
-              <a:rPr lang="en-US" altLang="ko-KR" dirty="0" smtClean="0"/>
-              <a:t>5%</a:t>
-            </a:r>
-            <a:endParaRPr lang="ko-KR" altLang="en-US" dirty="0"/>
-          </a:p>
-        </p:txBody>
-      </p:sp>
-      <p:cxnSp>
-        <p:nvCxnSpPr>
-          <p:cNvPr id="30" name="직선 화살표 연결선 29"/>
-          <p:cNvCxnSpPr/>
-          <p:nvPr/>
-        </p:nvCxnSpPr>
-        <p:spPr>
-          <a:xfrm flipH="1">
-            <a:off x="6423969" y="701328"/>
-            <a:ext cx="5406" cy="279400"/>
-          </a:xfrm>
-          <a:prstGeom prst="straightConnector1">
-            <a:avLst/>
-          </a:prstGeom>
-          <a:ln>
-            <a:solidFill>
-              <a:schemeClr val="tx1"/>
-            </a:solidFill>
-            <a:headEnd type="none" w="med" len="med"/>
-            <a:tailEnd type="triangle" w="med" len="med"/>
-          </a:ln>
-        </p:spPr>
-        <p:style>
-          <a:lnRef idx="1">
-            <a:schemeClr val="accent1"/>
-          </a:lnRef>
-          <a:fillRef idx="0">
-            <a:schemeClr val="accent1"/>
-          </a:fillRef>
-          <a:effectRef idx="0">
-            <a:schemeClr val="accent1"/>
-          </a:effectRef>
-          <a:fontRef idx="minor">
-            <a:schemeClr val="tx1"/>
-          </a:fontRef>
-        </p:style>
-      </p:cxnSp>
-      <p:sp>
-        <p:nvSpPr>
-          <p:cNvPr id="31" name="사각형 설명선 30"/>
+        <p:txBody>
+          <a:bodyPr rtlCol="0" anchor="ctr"/>
+          <a:lstStyle/>
+          <a:p>
+            <a:pPr marL="93663" indent="-93663">
+              <a:buFont typeface="Arial" pitchFamily="34" charset="0"/>
+              <a:buChar char="•"/>
+            </a:pPr>
+            <a:r>
+              <a:rPr lang="ko-KR" altLang="en-US" sz="1000" dirty="0" smtClean="0">
+                <a:solidFill>
+                  <a:srgbClr val="FF0000"/>
+                </a:solidFill>
+              </a:rPr>
+              <a:t>기본 화면은 </a:t>
+            </a:r>
+            <a:r>
+              <a:rPr lang="en-US" altLang="ko-KR" sz="1000" dirty="0" smtClean="0">
+                <a:solidFill>
+                  <a:srgbClr val="FF0000"/>
+                </a:solidFill>
+              </a:rPr>
+              <a:t>Free Run mode </a:t>
+            </a:r>
+            <a:r>
+              <a:rPr lang="ko-KR" altLang="en-US" sz="1000" dirty="0" smtClean="0">
+                <a:solidFill>
+                  <a:srgbClr val="FF0000"/>
+                </a:solidFill>
+              </a:rPr>
+              <a:t>이며 </a:t>
+            </a:r>
+            <a:r>
+              <a:rPr lang="en-US" altLang="ko-KR" sz="1000" dirty="0" smtClean="0">
+                <a:solidFill>
+                  <a:srgbClr val="FF0000"/>
+                </a:solidFill>
+              </a:rPr>
+              <a:t>4</a:t>
+            </a:r>
+            <a:r>
+              <a:rPr lang="ko-KR" altLang="en-US" sz="1000" dirty="0" smtClean="0">
+                <a:solidFill>
+                  <a:srgbClr val="FF0000"/>
+                </a:solidFill>
+              </a:rPr>
+              <a:t>방향 키와 마우스를 이용하여 카메라의 </a:t>
+            </a:r>
+            <a:r>
+              <a:rPr lang="en-US" altLang="ko-KR" sz="1000" dirty="0" smtClean="0">
+                <a:solidFill>
+                  <a:srgbClr val="FF0000"/>
+                </a:solidFill>
+              </a:rPr>
+              <a:t>view point</a:t>
+            </a:r>
+            <a:r>
+              <a:rPr lang="ko-KR" altLang="en-US" sz="1000" dirty="0" smtClean="0">
+                <a:solidFill>
+                  <a:srgbClr val="FF0000"/>
+                </a:solidFill>
+              </a:rPr>
+              <a:t>를 제어한다</a:t>
+            </a:r>
+            <a:r>
+              <a:rPr lang="en-US" altLang="ko-KR" sz="1000" dirty="0" smtClean="0">
+                <a:solidFill>
+                  <a:srgbClr val="FF0000"/>
+                </a:solidFill>
+              </a:rPr>
+              <a:t>.</a:t>
+            </a:r>
+            <a:endParaRPr lang="ko-KR" altLang="en-US" sz="1000" dirty="0">
+              <a:solidFill>
+                <a:srgbClr val="FF0000"/>
+              </a:solidFill>
+            </a:endParaRPr>
+          </a:p>
+        </p:txBody>
+      </p:sp>
+      <p:sp>
+        <p:nvSpPr>
+          <p:cNvPr id="25" name="사각형 설명선 24"/>
           <p:cNvSpPr/>
           <p:nvPr/>
         </p:nvSpPr>
@@ -5487,7 +5294,71 @@
                   <a:srgbClr val="7030A0"/>
                 </a:solidFill>
               </a:rPr>
-              <a:t>기본 화면에서 </a:t>
+              <a:t>기본 화면이 </a:t>
+            </a:r>
+            <a:r>
+              <a:rPr lang="ko-KR" altLang="en-US" sz="1000" dirty="0" err="1" smtClean="0">
+                <a:solidFill>
+                  <a:srgbClr val="7030A0"/>
+                </a:solidFill>
+              </a:rPr>
+              <a:t>디스플레이될</a:t>
+            </a:r>
+            <a:r>
+              <a:rPr lang="ko-KR" altLang="en-US" sz="1000" dirty="0" smtClean="0">
+                <a:solidFill>
+                  <a:srgbClr val="7030A0"/>
+                </a:solidFill>
+              </a:rPr>
+              <a:t> 때 카메라의 초기 위치는 </a:t>
+            </a:r>
+            <a:r>
+              <a:rPr lang="ko-KR" altLang="en-US" sz="1000" dirty="0" err="1" smtClean="0">
+                <a:solidFill>
+                  <a:srgbClr val="7030A0"/>
+                </a:solidFill>
+              </a:rPr>
+              <a:t>자함의</a:t>
+            </a:r>
+            <a:r>
+              <a:rPr lang="ko-KR" altLang="en-US" sz="1000" dirty="0" smtClean="0">
+                <a:solidFill>
+                  <a:srgbClr val="7030A0"/>
+                </a:solidFill>
+              </a:rPr>
+              <a:t> </a:t>
+            </a:r>
+            <a:r>
+              <a:rPr lang="ko-KR" altLang="en-US" sz="1000" dirty="0" err="1" smtClean="0">
+                <a:solidFill>
+                  <a:srgbClr val="7030A0"/>
+                </a:solidFill>
+              </a:rPr>
+              <a:t>후상방에서</a:t>
+            </a:r>
+            <a:r>
+              <a:rPr lang="ko-KR" altLang="en-US" sz="1000" dirty="0" smtClean="0">
+                <a:solidFill>
+                  <a:srgbClr val="7030A0"/>
+                </a:solidFill>
+              </a:rPr>
+              <a:t> </a:t>
+            </a:r>
+            <a:r>
+              <a:rPr lang="ko-KR" altLang="en-US" sz="1000" dirty="0" err="1" smtClean="0">
+                <a:solidFill>
+                  <a:srgbClr val="7030A0"/>
+                </a:solidFill>
+              </a:rPr>
+              <a:t>자함을</a:t>
+            </a:r>
+            <a:r>
+              <a:rPr lang="ko-KR" altLang="en-US" sz="1000" dirty="0" smtClean="0">
+                <a:solidFill>
+                  <a:srgbClr val="7030A0"/>
+                </a:solidFill>
+              </a:rPr>
+              <a:t> 바라 보고 있으며</a:t>
             </a:r>
             <a:r>
               <a:rPr lang="en-US" altLang="ko-KR" sz="1000" dirty="0" smtClean="0">
@@ -5495,7 +5366,7 @@
                   <a:srgbClr val="7030A0"/>
                 </a:solidFill>
               </a:rPr>
-              <a:t>[Tab] </a:t>
+              <a:t>, </a:t>
             </a:r>
             <a:r>
               <a:rPr lang="ko-KR" altLang="en-US" sz="1000" dirty="0" smtClean="0">
@@ -5503,7 +5374,23 @@
                   <a:srgbClr val="7030A0"/>
                 </a:solidFill>
               </a:rPr>
-              <a:t>키로 나타난다</a:t>
+              <a:t>카메라는 </a:t>
+            </a:r>
+            <a:r>
+              <a:rPr lang="ko-KR" altLang="en-US" sz="1000" dirty="0" err="1" smtClean="0">
+                <a:solidFill>
+                  <a:srgbClr val="7030A0"/>
+                </a:solidFill>
+              </a:rPr>
+              <a:t>자함의</a:t>
+            </a:r>
+            <a:r>
+              <a:rPr lang="ko-KR" altLang="en-US" sz="1000" dirty="0" smtClean="0">
+                <a:solidFill>
+                  <a:srgbClr val="7030A0"/>
+                </a:solidFill>
+              </a:rPr>
+              <a:t> 이동에 따라 함께 이동하게 된다</a:t>
             </a:r>
             <a:r>
               <a:rPr lang="en-US" altLang="ko-KR" sz="1000" dirty="0" smtClean="0">
@@ -5511,40 +5398,13 @@
                   <a:srgbClr val="7030A0"/>
                 </a:solidFill>
               </a:rPr>
-              <a:t>. [Tab] </a:t>
-            </a:r>
-            <a:r>
-              <a:rPr lang="ko-KR" altLang="en-US" sz="1000" dirty="0" smtClean="0">
-                <a:solidFill>
-                  <a:srgbClr val="7030A0"/>
-                </a:solidFill>
-              </a:rPr>
-              <a:t>키를 누를 때 마다 </a:t>
-            </a:r>
-            <a:r>
-              <a:rPr lang="en-US" altLang="ko-KR" sz="1000" dirty="0" smtClean="0">
-                <a:solidFill>
-                  <a:srgbClr val="7030A0"/>
-                </a:solidFill>
-              </a:rPr>
-              <a:t>Chase camera</a:t>
-            </a:r>
-            <a:r>
-              <a:rPr lang="ko-KR" altLang="en-US" sz="1000" dirty="0" smtClean="0">
-                <a:solidFill>
-                  <a:srgbClr val="7030A0"/>
-                </a:solidFill>
-              </a:rPr>
-              <a:t>가 부착될 표적을 선택하게 된다</a:t>
-            </a:r>
-            <a:r>
-              <a:rPr lang="en-US" altLang="ko-KR" sz="1000" dirty="0" smtClean="0">
-                <a:solidFill>
-                  <a:srgbClr val="7030A0"/>
-                </a:solidFill>
-              </a:rPr>
               <a:t>.</a:t>
             </a:r>
+            <a:endParaRPr lang="en-US" altLang="ko-KR" sz="1000" dirty="0" smtClean="0">
+              <a:solidFill>
+                <a:srgbClr val="7030A0"/>
+              </a:solidFill>
+            </a:endParaRPr>
           </a:p>
           <a:p>
             <a:pPr marL="93663" indent="-93663">
@@ -5557,7 +5417,7 @@
                   <a:srgbClr val="7030A0"/>
                 </a:solidFill>
               </a:rPr>
-              <a:t>[Space] </a:t>
+              <a:t>4 </a:t>
             </a:r>
             <a:r>
               <a:rPr lang="ko-KR" altLang="en-US" sz="1000" dirty="0" smtClean="0">
@@ -5565,7 +5425,7 @@
                   <a:srgbClr val="7030A0"/>
                 </a:solidFill>
               </a:rPr>
-              <a:t>키를 누르면 </a:t>
+              <a:t>방향키 및 마우스를 이용하여 카메라 </a:t>
             </a:r>
             <a:r>
               <a:rPr lang="en-US" altLang="ko-KR" sz="1000" dirty="0" smtClean="0">
@@ -5573,7 +5433,7 @@
                   <a:srgbClr val="7030A0"/>
                 </a:solidFill>
               </a:rPr>
-              <a:t>chase target</a:t>
+              <a:t>view point</a:t>
             </a:r>
             <a:r>
               <a:rPr lang="ko-KR" altLang="en-US" sz="1000" dirty="0" smtClean="0">
@@ -5581,7 +5441,7 @@
                   <a:srgbClr val="7030A0"/>
                 </a:solidFill>
               </a:rPr>
-              <a:t>이 선택되고</a:t>
+              <a:t>를 제어한다</a:t>
             </a:r>
             <a:r>
               <a:rPr lang="en-US" altLang="ko-KR" sz="1000" dirty="0" smtClean="0">
@@ -5589,7 +5449,7 @@
                   <a:srgbClr val="7030A0"/>
                 </a:solidFill>
               </a:rPr>
-              <a:t>, target chase</a:t>
+              <a:t>. View point </a:t>
             </a:r>
             <a:r>
               <a:rPr lang="ko-KR" altLang="en-US" sz="1000" dirty="0" smtClean="0">
@@ -5597,7 +5457,7 @@
                   <a:srgbClr val="7030A0"/>
                 </a:solidFill>
               </a:rPr>
-              <a:t>가 이루어진다</a:t>
+              <a:t>제어는 </a:t>
             </a:r>
             <a:r>
               <a:rPr lang="en-US" altLang="ko-KR" sz="1000" dirty="0" smtClean="0">
@@ -5605,21 +5465,7 @@
                   <a:srgbClr val="7030A0"/>
                 </a:solidFill>
               </a:rPr>
-              <a:t>.</a:t>
-            </a:r>
-          </a:p>
-          <a:p>
-            <a:pPr marL="93663" indent="-93663">
-              <a:buFont typeface="Arial" pitchFamily="34" charset="0"/>
-              <a:buChar char="•"/>
-            </a:pPr>
-            <a:r>
-              <a:rPr lang="en-US" altLang="ko-KR" sz="1000" dirty="0" smtClean="0">
-                <a:solidFill>
-                  <a:srgbClr val="7030A0"/>
-                </a:solidFill>
-              </a:rPr>
-              <a:t>[c] </a:t>
+              <a:t>OGRE </a:t>
             </a:r>
             <a:r>
               <a:rPr lang="ko-KR" altLang="en-US" sz="1000" dirty="0" smtClean="0">
@@ -5627,39 +5473,7 @@
                   <a:srgbClr val="7030A0"/>
                 </a:solidFill>
               </a:rPr>
-              <a:t>키를 누르면 </a:t>
-            </a:r>
-            <a:r>
-              <a:rPr lang="en-US" altLang="ko-KR" sz="1000" dirty="0" smtClean="0">
-                <a:solidFill>
-                  <a:srgbClr val="7030A0"/>
-                </a:solidFill>
-              </a:rPr>
-              <a:t>[Target Chase </a:t>
-            </a:r>
-            <a:r>
-              <a:rPr lang="ko-KR" altLang="en-US" sz="1000" dirty="0" smtClean="0">
-                <a:solidFill>
-                  <a:srgbClr val="7030A0"/>
-                </a:solidFill>
-              </a:rPr>
-              <a:t>화면</a:t>
-            </a:r>
-            <a:r>
-              <a:rPr lang="en-US" altLang="ko-KR" sz="1000" dirty="0" smtClean="0">
-                <a:solidFill>
-                  <a:srgbClr val="7030A0"/>
-                </a:solidFill>
-              </a:rPr>
-              <a:t>]</a:t>
-            </a:r>
-            <a:r>
-              <a:rPr lang="ko-KR" altLang="en-US" sz="1000" dirty="0" smtClean="0">
-                <a:solidFill>
-                  <a:srgbClr val="7030A0"/>
-                </a:solidFill>
-              </a:rPr>
-              <a:t>은 사라진다</a:t>
+              <a:t>기본 기능을 사용한다</a:t>
             </a:r>
             <a:r>
               <a:rPr lang="en-US" altLang="ko-KR" sz="1000" dirty="0" smtClean="0">
@@ -5672,137 +5486,6 @@
             <a:endParaRPr lang="ko-KR" altLang="en-US" sz="1000" dirty="0">
               <a:solidFill>
                 <a:srgbClr val="7030A0"/>
-              </a:solidFill>
-            </a:endParaRPr>
-          </a:p>
-        </p:txBody>
-      </p:sp>
-      <p:sp>
-        <p:nvSpPr>
-          <p:cNvPr id="32" name="직사각형 31"/>
-          <p:cNvSpPr/>
-          <p:nvPr/>
-        </p:nvSpPr>
-        <p:spPr>
-          <a:xfrm>
-            <a:off x="0" y="0"/>
-            <a:ext cx="9144000" cy="548680"/>
-          </a:xfrm>
-          <a:prstGeom prst="rect">
-            <a:avLst/>
-          </a:prstGeom>
-          <a:solidFill>
-            <a:schemeClr val="accent4">
-              <a:lumMod val="75000"/>
-              <a:alpha val="41000"/>
-            </a:schemeClr>
-          </a:solidFill>
-        </p:spPr>
-        <p:style>
-          <a:lnRef idx="2">
-            <a:schemeClr val="accent1">
-              <a:shade val="50000"/>
-            </a:schemeClr>
-          </a:lnRef>
-          <a:fillRef idx="1">
-            <a:schemeClr val="accent1"/>
-          </a:fillRef>
-          <a:effectRef idx="0">
-            <a:schemeClr val="accent1"/>
-          </a:effectRef>
-          <a:fontRef idx="minor">
-            <a:schemeClr val="lt1"/>
-          </a:fontRef>
-        </p:style>
-        <p:txBody>
-          <a:bodyPr rtlCol="0" anchor="ctr"/>
-          <a:lstStyle/>
-          <a:p>
-            <a:pPr algn="ctr"/>
-            <a:endParaRPr lang="ko-KR" altLang="en-US"/>
-          </a:p>
-        </p:txBody>
-      </p:sp>
-      <p:sp>
-        <p:nvSpPr>
-          <p:cNvPr id="34" name="직사각형 33"/>
-          <p:cNvSpPr/>
-          <p:nvPr/>
-        </p:nvSpPr>
-        <p:spPr>
-          <a:xfrm>
-            <a:off x="-812" y="6299380"/>
-            <a:ext cx="9144000" cy="548680"/>
-          </a:xfrm>
-          <a:prstGeom prst="rect">
-            <a:avLst/>
-          </a:prstGeom>
-          <a:solidFill>
-            <a:schemeClr val="accent4">
-              <a:lumMod val="75000"/>
-              <a:alpha val="41000"/>
-            </a:schemeClr>
-          </a:solidFill>
-        </p:spPr>
-        <p:style>
-          <a:lnRef idx="2">
-            <a:schemeClr val="accent1">
-              <a:shade val="50000"/>
-            </a:schemeClr>
-          </a:lnRef>
-          <a:fillRef idx="1">
-            <a:schemeClr val="accent1"/>
-          </a:fillRef>
-          <a:effectRef idx="0">
-            <a:schemeClr val="accent1"/>
-          </a:effectRef>
-          <a:fontRef idx="minor">
-            <a:schemeClr val="lt1"/>
-          </a:fontRef>
-        </p:style>
-        <p:txBody>
-          <a:bodyPr rtlCol="0" anchor="ctr"/>
-          <a:lstStyle/>
-          <a:p>
-            <a:pPr>
-              <a:buFont typeface="Arial" pitchFamily="34" charset="0"/>
-              <a:buChar char="•"/>
-            </a:pPr>
-            <a:r>
-              <a:rPr lang="en-US" altLang="ko-KR" sz="1000" dirty="0" smtClean="0">
-                <a:solidFill>
-                  <a:srgbClr val="FF0000"/>
-                </a:solidFill>
-              </a:rPr>
-              <a:t>Target Chase </a:t>
-            </a:r>
-            <a:r>
-              <a:rPr lang="ko-KR" altLang="en-US" sz="1000" dirty="0" smtClean="0">
-                <a:solidFill>
-                  <a:srgbClr val="FF0000"/>
-                </a:solidFill>
-              </a:rPr>
-              <a:t>화면의 가로</a:t>
-            </a:r>
-            <a:r>
-              <a:rPr lang="en-US" altLang="ko-KR" sz="1000" dirty="0" smtClean="0">
-                <a:solidFill>
-                  <a:srgbClr val="FF0000"/>
-                </a:solidFill>
-              </a:rPr>
-              <a:t>, </a:t>
-            </a:r>
-            <a:r>
-              <a:rPr lang="ko-KR" altLang="en-US" sz="1000" dirty="0" smtClean="0">
-                <a:solidFill>
-                  <a:srgbClr val="FF0000"/>
-                </a:solidFill>
-              </a:rPr>
-              <a:t>세로 비율은 변할 수 있음</a:t>
-            </a:r>
-            <a:endParaRPr lang="ko-KR" altLang="en-US" sz="1000" dirty="0">
-              <a:solidFill>
-                <a:srgbClr val="FF0000"/>
               </a:solidFill>
             </a:endParaRPr>
           </a:p>
@@ -5841,6 +5524,930 @@
         </p:nvSpPr>
         <p:spPr>
           <a:xfrm>
+            <a:off x="972400" y="692696"/>
+            <a:ext cx="7200000" cy="5400000"/>
+          </a:xfrm>
+          <a:prstGeom prst="rect">
+            <a:avLst/>
+          </a:prstGeom>
+        </p:spPr>
+        <p:style>
+          <a:lnRef idx="2">
+            <a:schemeClr val="accent1">
+              <a:shade val="50000"/>
+            </a:schemeClr>
+          </a:lnRef>
+          <a:fillRef idx="1">
+            <a:schemeClr val="accent1"/>
+          </a:fillRef>
+          <a:effectRef idx="0">
+            <a:schemeClr val="accent1"/>
+          </a:effectRef>
+          <a:fontRef idx="minor">
+            <a:schemeClr val="lt1"/>
+          </a:fontRef>
+        </p:style>
+        <p:txBody>
+          <a:bodyPr rtlCol="0" anchor="ctr"/>
+          <a:lstStyle/>
+          <a:p>
+            <a:pPr algn="ctr"/>
+            <a:r>
+              <a:rPr lang="en-US" altLang="ko-KR" dirty="0" err="1" smtClean="0"/>
+              <a:t>rlrl</a:t>
+            </a:r>
+            <a:endParaRPr lang="ko-KR" altLang="en-US" dirty="0"/>
+          </a:p>
+        </p:txBody>
+      </p:sp>
+      <p:pic>
+        <p:nvPicPr>
+          <p:cNvPr id="33" name="Picture 2"/>
+          <p:cNvPicPr preferRelativeResize="0">
+            <a:picLocks noChangeArrowheads="1"/>
+          </p:cNvPicPr>
+          <p:nvPr/>
+        </p:nvPicPr>
+        <p:blipFill>
+          <a:blip r:embed="rId2" cstate="print"/>
+          <a:srcRect/>
+          <a:stretch>
+            <a:fillRect/>
+          </a:stretch>
+        </p:blipFill>
+        <p:spPr bwMode="auto">
+          <a:xfrm>
+            <a:off x="970207" y="722050"/>
+            <a:ext cx="7200000" cy="5364000"/>
+          </a:xfrm>
+          <a:prstGeom prst="rect">
+            <a:avLst/>
+          </a:prstGeom>
+          <a:noFill/>
+          <a:ln w="9525">
+            <a:noFill/>
+            <a:miter lim="800000"/>
+            <a:headEnd/>
+            <a:tailEnd/>
+          </a:ln>
+        </p:spPr>
+      </p:pic>
+      <p:sp>
+        <p:nvSpPr>
+          <p:cNvPr id="16" name="TextBox 15"/>
+          <p:cNvSpPr txBox="1"/>
+          <p:nvPr/>
+        </p:nvSpPr>
+        <p:spPr>
+          <a:xfrm>
+            <a:off x="179512" y="116632"/>
+            <a:ext cx="8712968" cy="369332"/>
+          </a:xfrm>
+          <a:prstGeom prst="rect">
+            <a:avLst/>
+          </a:prstGeom>
+          <a:noFill/>
+        </p:spPr>
+        <p:txBody>
+          <a:bodyPr wrap="square" rtlCol="0">
+            <a:spAutoFit/>
+          </a:bodyPr>
+          <a:lstStyle/>
+          <a:p>
+            <a:r>
+              <a:rPr lang="en-US" altLang="ko-KR" b="1" dirty="0" smtClean="0"/>
+              <a:t>Target Chase Mode</a:t>
+            </a:r>
+            <a:r>
+              <a:rPr lang="ko-KR" altLang="en-US" b="1" dirty="0" smtClean="0"/>
+              <a:t> 화면</a:t>
+            </a:r>
+            <a:endParaRPr lang="ko-KR" altLang="en-US" b="1" dirty="0"/>
+          </a:p>
+        </p:txBody>
+      </p:sp>
+      <p:sp>
+        <p:nvSpPr>
+          <p:cNvPr id="5" name="직사각형 4"/>
+          <p:cNvSpPr/>
+          <p:nvPr/>
+        </p:nvSpPr>
+        <p:spPr>
+          <a:xfrm>
+            <a:off x="5076056" y="980728"/>
+            <a:ext cx="2695826" cy="1872208"/>
+          </a:xfrm>
+          <a:prstGeom prst="rect">
+            <a:avLst/>
+          </a:prstGeom>
+          <a:solidFill>
+            <a:schemeClr val="tx1">
+              <a:lumMod val="50000"/>
+              <a:lumOff val="50000"/>
+            </a:schemeClr>
+          </a:solidFill>
+        </p:spPr>
+        <p:style>
+          <a:lnRef idx="2">
+            <a:schemeClr val="accent1">
+              <a:shade val="50000"/>
+            </a:schemeClr>
+          </a:lnRef>
+          <a:fillRef idx="1">
+            <a:schemeClr val="accent1"/>
+          </a:fillRef>
+          <a:effectRef idx="0">
+            <a:schemeClr val="accent1"/>
+          </a:effectRef>
+          <a:fontRef idx="minor">
+            <a:schemeClr val="lt1"/>
+          </a:fontRef>
+        </p:style>
+        <p:txBody>
+          <a:bodyPr rtlCol="0" anchor="ctr"/>
+          <a:lstStyle/>
+          <a:p>
+            <a:pPr algn="ctr"/>
+            <a:r>
+              <a:rPr lang="en-US" altLang="ko-KR" dirty="0" smtClean="0"/>
+              <a:t>Target Chase</a:t>
+            </a:r>
+          </a:p>
+          <a:p>
+            <a:pPr algn="ctr"/>
+            <a:r>
+              <a:rPr lang="ko-KR" altLang="en-US" dirty="0" smtClean="0"/>
+              <a:t>화</a:t>
+            </a:r>
+            <a:r>
+              <a:rPr lang="ko-KR" altLang="en-US" dirty="0"/>
+              <a:t>면</a:t>
+            </a:r>
+          </a:p>
+        </p:txBody>
+      </p:sp>
+      <p:sp>
+        <p:nvSpPr>
+          <p:cNvPr id="7" name="TextBox 6"/>
+          <p:cNvSpPr txBox="1"/>
+          <p:nvPr/>
+        </p:nvSpPr>
+        <p:spPr>
+          <a:xfrm>
+            <a:off x="5508104" y="620688"/>
+            <a:ext cx="720080" cy="369332"/>
+          </a:xfrm>
+          <a:prstGeom prst="rect">
+            <a:avLst/>
+          </a:prstGeom>
+          <a:noFill/>
+        </p:spPr>
+        <p:txBody>
+          <a:bodyPr wrap="square" rtlCol="0">
+            <a:spAutoFit/>
+          </a:bodyPr>
+          <a:lstStyle/>
+          <a:p>
+            <a:r>
+              <a:rPr lang="en-US" altLang="ko-KR" dirty="0" smtClean="0"/>
+              <a:t>5%</a:t>
+            </a:r>
+            <a:endParaRPr lang="ko-KR" altLang="en-US" dirty="0"/>
+          </a:p>
+        </p:txBody>
+      </p:sp>
+      <p:cxnSp>
+        <p:nvCxnSpPr>
+          <p:cNvPr id="8" name="직선 화살표 연결선 7"/>
+          <p:cNvCxnSpPr>
+            <a:endCxn id="5" idx="2"/>
+          </p:cNvCxnSpPr>
+          <p:nvPr/>
+        </p:nvCxnSpPr>
+        <p:spPr>
+          <a:xfrm flipH="1" flipV="1">
+            <a:off x="6423969" y="2852936"/>
+            <a:ext cx="20239" cy="3240360"/>
+          </a:xfrm>
+          <a:prstGeom prst="straightConnector1">
+            <a:avLst/>
+          </a:prstGeom>
+          <a:ln>
+            <a:solidFill>
+              <a:schemeClr val="tx1"/>
+            </a:solidFill>
+            <a:headEnd type="none" w="med" len="med"/>
+            <a:tailEnd type="triangle" w="med" len="med"/>
+          </a:ln>
+        </p:spPr>
+        <p:style>
+          <a:lnRef idx="1">
+            <a:schemeClr val="accent1"/>
+          </a:lnRef>
+          <a:fillRef idx="0">
+            <a:schemeClr val="accent1"/>
+          </a:fillRef>
+          <a:effectRef idx="0">
+            <a:schemeClr val="accent1"/>
+          </a:effectRef>
+          <a:fontRef idx="minor">
+            <a:schemeClr val="tx1"/>
+          </a:fontRef>
+        </p:style>
+      </p:cxnSp>
+      <p:cxnSp>
+        <p:nvCxnSpPr>
+          <p:cNvPr id="9" name="직선 화살표 연결선 8"/>
+          <p:cNvCxnSpPr>
+            <a:endCxn id="5" idx="1"/>
+          </p:cNvCxnSpPr>
+          <p:nvPr/>
+        </p:nvCxnSpPr>
+        <p:spPr>
+          <a:xfrm>
+            <a:off x="971600" y="1916832"/>
+            <a:ext cx="4104456" cy="0"/>
+          </a:xfrm>
+          <a:prstGeom prst="straightConnector1">
+            <a:avLst/>
+          </a:prstGeom>
+          <a:ln>
+            <a:solidFill>
+              <a:schemeClr val="tx1"/>
+            </a:solidFill>
+            <a:headEnd type="none" w="med" len="med"/>
+            <a:tailEnd type="triangle" w="med" len="med"/>
+          </a:ln>
+        </p:spPr>
+        <p:style>
+          <a:lnRef idx="1">
+            <a:schemeClr val="accent1"/>
+          </a:lnRef>
+          <a:fillRef idx="0">
+            <a:schemeClr val="accent1"/>
+          </a:fillRef>
+          <a:effectRef idx="0">
+            <a:schemeClr val="accent1"/>
+          </a:effectRef>
+          <a:fontRef idx="minor">
+            <a:schemeClr val="tx1"/>
+          </a:fontRef>
+        </p:style>
+      </p:cxnSp>
+      <p:cxnSp>
+        <p:nvCxnSpPr>
+          <p:cNvPr id="10" name="직선 화살표 연결선 9"/>
+          <p:cNvCxnSpPr>
+            <a:endCxn id="5" idx="3"/>
+          </p:cNvCxnSpPr>
+          <p:nvPr/>
+        </p:nvCxnSpPr>
+        <p:spPr>
+          <a:xfrm flipH="1">
+            <a:off x="7771882" y="1916832"/>
+            <a:ext cx="400518" cy="0"/>
+          </a:xfrm>
+          <a:prstGeom prst="straightConnector1">
+            <a:avLst/>
+          </a:prstGeom>
+          <a:ln>
+            <a:solidFill>
+              <a:schemeClr val="tx1"/>
+            </a:solidFill>
+            <a:headEnd type="none" w="med" len="med"/>
+            <a:tailEnd type="triangle" w="med" len="med"/>
+          </a:ln>
+        </p:spPr>
+        <p:style>
+          <a:lnRef idx="1">
+            <a:schemeClr val="accent1"/>
+          </a:lnRef>
+          <a:fillRef idx="0">
+            <a:schemeClr val="accent1"/>
+          </a:fillRef>
+          <a:effectRef idx="0">
+            <a:schemeClr val="accent1"/>
+          </a:effectRef>
+          <a:fontRef idx="minor">
+            <a:schemeClr val="tx1"/>
+          </a:fontRef>
+        </p:style>
+      </p:cxnSp>
+      <p:sp>
+        <p:nvSpPr>
+          <p:cNvPr id="11" name="TextBox 10"/>
+          <p:cNvSpPr txBox="1"/>
+          <p:nvPr/>
+        </p:nvSpPr>
+        <p:spPr>
+          <a:xfrm>
+            <a:off x="1907704" y="1988840"/>
+            <a:ext cx="720080" cy="369332"/>
+          </a:xfrm>
+          <a:prstGeom prst="rect">
+            <a:avLst/>
+          </a:prstGeom>
+          <a:noFill/>
+        </p:spPr>
+        <p:txBody>
+          <a:bodyPr wrap="square" rtlCol="0">
+            <a:spAutoFit/>
+          </a:bodyPr>
+          <a:lstStyle/>
+          <a:p>
+            <a:r>
+              <a:rPr lang="en-US" altLang="ko-KR" dirty="0" smtClean="0"/>
+              <a:t>65%</a:t>
+            </a:r>
+            <a:endParaRPr lang="ko-KR" altLang="en-US" dirty="0"/>
+          </a:p>
+        </p:txBody>
+      </p:sp>
+      <p:sp>
+        <p:nvSpPr>
+          <p:cNvPr id="12" name="TextBox 11"/>
+          <p:cNvSpPr txBox="1"/>
+          <p:nvPr/>
+        </p:nvSpPr>
+        <p:spPr>
+          <a:xfrm>
+            <a:off x="6516216" y="4077072"/>
+            <a:ext cx="720080" cy="369332"/>
+          </a:xfrm>
+          <a:prstGeom prst="rect">
+            <a:avLst/>
+          </a:prstGeom>
+          <a:noFill/>
+        </p:spPr>
+        <p:txBody>
+          <a:bodyPr wrap="square" rtlCol="0">
+            <a:spAutoFit/>
+          </a:bodyPr>
+          <a:lstStyle/>
+          <a:p>
+            <a:r>
+              <a:rPr lang="en-US" altLang="ko-KR" dirty="0" smtClean="0"/>
+              <a:t>65%</a:t>
+            </a:r>
+            <a:endParaRPr lang="ko-KR" altLang="en-US" dirty="0"/>
+          </a:p>
+        </p:txBody>
+      </p:sp>
+      <p:sp>
+        <p:nvSpPr>
+          <p:cNvPr id="13" name="TextBox 12"/>
+          <p:cNvSpPr txBox="1"/>
+          <p:nvPr/>
+        </p:nvSpPr>
+        <p:spPr>
+          <a:xfrm>
+            <a:off x="7740352" y="1988840"/>
+            <a:ext cx="720080" cy="369332"/>
+          </a:xfrm>
+          <a:prstGeom prst="rect">
+            <a:avLst/>
+          </a:prstGeom>
+          <a:noFill/>
+        </p:spPr>
+        <p:txBody>
+          <a:bodyPr wrap="square" rtlCol="0">
+            <a:spAutoFit/>
+          </a:bodyPr>
+          <a:lstStyle/>
+          <a:p>
+            <a:r>
+              <a:rPr lang="en-US" altLang="ko-KR" dirty="0" smtClean="0"/>
+              <a:t>5%</a:t>
+            </a:r>
+            <a:endParaRPr lang="ko-KR" altLang="en-US" dirty="0"/>
+          </a:p>
+        </p:txBody>
+      </p:sp>
+      <p:cxnSp>
+        <p:nvCxnSpPr>
+          <p:cNvPr id="30" name="직선 화살표 연결선 29"/>
+          <p:cNvCxnSpPr/>
+          <p:nvPr/>
+        </p:nvCxnSpPr>
+        <p:spPr>
+          <a:xfrm flipH="1">
+            <a:off x="6423969" y="701328"/>
+            <a:ext cx="5406" cy="279400"/>
+          </a:xfrm>
+          <a:prstGeom prst="straightConnector1">
+            <a:avLst/>
+          </a:prstGeom>
+          <a:ln>
+            <a:solidFill>
+              <a:schemeClr val="tx1"/>
+            </a:solidFill>
+            <a:headEnd type="none" w="med" len="med"/>
+            <a:tailEnd type="triangle" w="med" len="med"/>
+          </a:ln>
+        </p:spPr>
+        <p:style>
+          <a:lnRef idx="1">
+            <a:schemeClr val="accent1"/>
+          </a:lnRef>
+          <a:fillRef idx="0">
+            <a:schemeClr val="accent1"/>
+          </a:fillRef>
+          <a:effectRef idx="0">
+            <a:schemeClr val="accent1"/>
+          </a:effectRef>
+          <a:fontRef idx="minor">
+            <a:schemeClr val="tx1"/>
+          </a:fontRef>
+        </p:style>
+      </p:cxnSp>
+      <p:sp>
+        <p:nvSpPr>
+          <p:cNvPr id="31" name="사각형 설명선 30"/>
+          <p:cNvSpPr/>
+          <p:nvPr/>
+        </p:nvSpPr>
+        <p:spPr>
+          <a:xfrm>
+            <a:off x="1835696" y="3212976"/>
+            <a:ext cx="3888432" cy="2016224"/>
+          </a:xfrm>
+          <a:prstGeom prst="wedgeRectCallout">
+            <a:avLst>
+              <a:gd name="adj1" fmla="val 37477"/>
+              <a:gd name="adj2" fmla="val -69854"/>
+            </a:avLst>
+          </a:prstGeom>
+          <a:solidFill>
+            <a:schemeClr val="bg1"/>
+          </a:solidFill>
+        </p:spPr>
+        <p:style>
+          <a:lnRef idx="2">
+            <a:schemeClr val="accent1">
+              <a:shade val="50000"/>
+            </a:schemeClr>
+          </a:lnRef>
+          <a:fillRef idx="1">
+            <a:schemeClr val="accent1"/>
+          </a:fillRef>
+          <a:effectRef idx="0">
+            <a:schemeClr val="accent1"/>
+          </a:effectRef>
+          <a:fontRef idx="minor">
+            <a:schemeClr val="lt1"/>
+          </a:fontRef>
+        </p:style>
+        <p:txBody>
+          <a:bodyPr rtlCol="0" anchor="ctr"/>
+          <a:lstStyle/>
+          <a:p>
+            <a:pPr marL="93663" indent="-93663">
+              <a:buFont typeface="Arial" pitchFamily="34" charset="0"/>
+              <a:buChar char="•"/>
+            </a:pPr>
+            <a:r>
+              <a:rPr lang="ko-KR" altLang="en-US" sz="1000" dirty="0" smtClean="0">
+                <a:solidFill>
+                  <a:srgbClr val="7030A0"/>
+                </a:solidFill>
+              </a:rPr>
+              <a:t>기본 화면에서 </a:t>
+            </a:r>
+            <a:r>
+              <a:rPr lang="en-US" altLang="ko-KR" sz="1000" dirty="0" smtClean="0">
+                <a:solidFill>
+                  <a:srgbClr val="7030A0"/>
+                </a:solidFill>
+              </a:rPr>
+              <a:t>[Tab] </a:t>
+            </a:r>
+            <a:r>
+              <a:rPr lang="ko-KR" altLang="en-US" sz="1000" dirty="0" smtClean="0">
+                <a:solidFill>
+                  <a:srgbClr val="7030A0"/>
+                </a:solidFill>
+              </a:rPr>
+              <a:t>키로 나타난다</a:t>
+            </a:r>
+            <a:r>
+              <a:rPr lang="en-US" altLang="ko-KR" sz="1000" dirty="0" smtClean="0">
+                <a:solidFill>
+                  <a:srgbClr val="7030A0"/>
+                </a:solidFill>
+              </a:rPr>
+              <a:t>. [Tab] </a:t>
+            </a:r>
+            <a:r>
+              <a:rPr lang="ko-KR" altLang="en-US" sz="1000" dirty="0" smtClean="0">
+                <a:solidFill>
+                  <a:srgbClr val="7030A0"/>
+                </a:solidFill>
+              </a:rPr>
+              <a:t>키를 누를 때 마다 </a:t>
+            </a:r>
+            <a:r>
+              <a:rPr lang="en-US" altLang="ko-KR" sz="1000" dirty="0" smtClean="0">
+                <a:solidFill>
+                  <a:srgbClr val="7030A0"/>
+                </a:solidFill>
+              </a:rPr>
+              <a:t>Chase camera</a:t>
+            </a:r>
+            <a:r>
+              <a:rPr lang="ko-KR" altLang="en-US" sz="1000" dirty="0" smtClean="0">
+                <a:solidFill>
+                  <a:srgbClr val="7030A0"/>
+                </a:solidFill>
+              </a:rPr>
+              <a:t>가 부착될 표적을 선택하게 된다</a:t>
+            </a:r>
+            <a:r>
+              <a:rPr lang="en-US" altLang="ko-KR" sz="1000" dirty="0" smtClean="0">
+                <a:solidFill>
+                  <a:srgbClr val="7030A0"/>
+                </a:solidFill>
+              </a:rPr>
+              <a:t>.</a:t>
+            </a:r>
+          </a:p>
+          <a:p>
+            <a:pPr marL="93663" indent="-93663">
+              <a:buFont typeface="Arial" pitchFamily="34" charset="0"/>
+              <a:buChar char="•"/>
+            </a:pPr>
+            <a:r>
+              <a:rPr lang="ko-KR" altLang="en-US" sz="1000" dirty="0" smtClean="0">
+                <a:solidFill>
+                  <a:srgbClr val="7030A0"/>
+                </a:solidFill>
+              </a:rPr>
+              <a:t>이 때 사용자가 좀 더 정확하게 표적을 확인할 수 있도록 카메라는 </a:t>
+            </a:r>
+            <a:r>
+              <a:rPr lang="en-US" altLang="ko-KR" sz="1000" dirty="0" err="1" smtClean="0">
+                <a:solidFill>
+                  <a:srgbClr val="7030A0"/>
+                </a:solidFill>
+              </a:rPr>
+              <a:t>birdview</a:t>
+            </a:r>
+            <a:r>
+              <a:rPr lang="en-US" altLang="ko-KR" sz="1000" dirty="0" smtClean="0">
+                <a:solidFill>
+                  <a:srgbClr val="7030A0"/>
+                </a:solidFill>
+              </a:rPr>
+              <a:t>(ISO view) </a:t>
+            </a:r>
+            <a:r>
+              <a:rPr lang="ko-KR" altLang="en-US" sz="1000" dirty="0" smtClean="0">
+                <a:solidFill>
+                  <a:srgbClr val="7030A0"/>
+                </a:solidFill>
+              </a:rPr>
+              <a:t>상태에서 표적을 </a:t>
+            </a:r>
+            <a:r>
+              <a:rPr lang="ko-KR" altLang="en-US" sz="1000" dirty="0" err="1" smtClean="0">
+                <a:solidFill>
+                  <a:srgbClr val="7030A0"/>
+                </a:solidFill>
+              </a:rPr>
+              <a:t>보고있다</a:t>
+            </a:r>
+            <a:r>
+              <a:rPr lang="en-US" altLang="ko-KR" sz="1000" dirty="0" smtClean="0">
+                <a:solidFill>
+                  <a:srgbClr val="7030A0"/>
+                </a:solidFill>
+              </a:rPr>
+              <a:t>.</a:t>
+            </a:r>
+            <a:endParaRPr lang="en-US" altLang="ko-KR" sz="1000" dirty="0" smtClean="0">
+              <a:solidFill>
+                <a:srgbClr val="7030A0"/>
+              </a:solidFill>
+            </a:endParaRPr>
+          </a:p>
+          <a:p>
+            <a:pPr marL="93663" indent="-93663">
+              <a:buFont typeface="Arial" pitchFamily="34" charset="0"/>
+              <a:buChar char="•"/>
+            </a:pPr>
+            <a:r>
+              <a:rPr lang="en-US" altLang="ko-KR" sz="1000" dirty="0" smtClean="0">
+                <a:solidFill>
+                  <a:srgbClr val="7030A0"/>
+                </a:solidFill>
+              </a:rPr>
+              <a:t>[Space] </a:t>
+            </a:r>
+            <a:r>
+              <a:rPr lang="ko-KR" altLang="en-US" sz="1000" dirty="0" smtClean="0">
+                <a:solidFill>
+                  <a:srgbClr val="7030A0"/>
+                </a:solidFill>
+              </a:rPr>
+              <a:t>키를 누르면 </a:t>
+            </a:r>
+            <a:r>
+              <a:rPr lang="en-US" altLang="ko-KR" sz="1000" dirty="0" smtClean="0">
+                <a:solidFill>
+                  <a:srgbClr val="7030A0"/>
+                </a:solidFill>
+              </a:rPr>
+              <a:t>chase target</a:t>
+            </a:r>
+            <a:r>
+              <a:rPr lang="ko-KR" altLang="en-US" sz="1000" dirty="0" smtClean="0">
+                <a:solidFill>
+                  <a:srgbClr val="7030A0"/>
+                </a:solidFill>
+              </a:rPr>
+              <a:t>이 선택되고</a:t>
+            </a:r>
+            <a:r>
+              <a:rPr lang="en-US" altLang="ko-KR" sz="1000" dirty="0" smtClean="0">
+                <a:solidFill>
+                  <a:srgbClr val="7030A0"/>
+                </a:solidFill>
+              </a:rPr>
+              <a:t>, </a:t>
+            </a:r>
+            <a:r>
+              <a:rPr lang="ko-KR" altLang="en-US" sz="1000" dirty="0" smtClean="0">
+                <a:solidFill>
+                  <a:srgbClr val="7030A0"/>
+                </a:solidFill>
+              </a:rPr>
+              <a:t>카메라는 선택된 표적의 후방에서 표적의 전방을 바라보는 </a:t>
+            </a:r>
+            <a:r>
+              <a:rPr lang="en-US" altLang="ko-KR" sz="1000" dirty="0" smtClean="0">
+                <a:solidFill>
+                  <a:srgbClr val="7030A0"/>
+                </a:solidFill>
+              </a:rPr>
+              <a:t>target </a:t>
+            </a:r>
+            <a:r>
+              <a:rPr lang="en-US" altLang="ko-KR" sz="1000" dirty="0" smtClean="0">
+                <a:solidFill>
+                  <a:srgbClr val="7030A0"/>
+                </a:solidFill>
+              </a:rPr>
+              <a:t>chase</a:t>
+            </a:r>
+            <a:r>
+              <a:rPr lang="ko-KR" altLang="en-US" sz="1000" dirty="0" smtClean="0">
+                <a:solidFill>
+                  <a:srgbClr val="7030A0"/>
+                </a:solidFill>
+              </a:rPr>
+              <a:t>가 이루어진다</a:t>
+            </a:r>
+            <a:r>
+              <a:rPr lang="en-US" altLang="ko-KR" sz="1000" dirty="0" smtClean="0">
+                <a:solidFill>
+                  <a:srgbClr val="7030A0"/>
+                </a:solidFill>
+              </a:rPr>
+              <a:t>.</a:t>
+            </a:r>
+          </a:p>
+          <a:p>
+            <a:pPr marL="93663" indent="-93663">
+              <a:buFont typeface="Arial" pitchFamily="34" charset="0"/>
+              <a:buChar char="•"/>
+            </a:pPr>
+            <a:r>
+              <a:rPr lang="en-US" altLang="ko-KR" sz="1000" dirty="0" smtClean="0">
+                <a:solidFill>
+                  <a:srgbClr val="7030A0"/>
+                </a:solidFill>
+              </a:rPr>
+              <a:t>[c] </a:t>
+            </a:r>
+            <a:r>
+              <a:rPr lang="ko-KR" altLang="en-US" sz="1000" dirty="0" smtClean="0">
+                <a:solidFill>
+                  <a:srgbClr val="7030A0"/>
+                </a:solidFill>
+              </a:rPr>
+              <a:t>키를 누르면 </a:t>
+            </a:r>
+            <a:r>
+              <a:rPr lang="en-US" altLang="ko-KR" sz="1000" dirty="0" smtClean="0">
+                <a:solidFill>
+                  <a:srgbClr val="7030A0"/>
+                </a:solidFill>
+              </a:rPr>
+              <a:t>[Target Chase </a:t>
+            </a:r>
+            <a:r>
+              <a:rPr lang="ko-KR" altLang="en-US" sz="1000" dirty="0" smtClean="0">
+                <a:solidFill>
+                  <a:srgbClr val="7030A0"/>
+                </a:solidFill>
+              </a:rPr>
+              <a:t>화면</a:t>
+            </a:r>
+            <a:r>
+              <a:rPr lang="en-US" altLang="ko-KR" sz="1000" dirty="0" smtClean="0">
+                <a:solidFill>
+                  <a:srgbClr val="7030A0"/>
+                </a:solidFill>
+              </a:rPr>
+              <a:t>]</a:t>
+            </a:r>
+            <a:r>
+              <a:rPr lang="ko-KR" altLang="en-US" sz="1000" dirty="0" smtClean="0">
+                <a:solidFill>
+                  <a:srgbClr val="7030A0"/>
+                </a:solidFill>
+              </a:rPr>
+              <a:t>은 사라진다</a:t>
+            </a:r>
+            <a:r>
+              <a:rPr lang="en-US" altLang="ko-KR" sz="1000" dirty="0" smtClean="0">
+                <a:solidFill>
+                  <a:srgbClr val="7030A0"/>
+                </a:solidFill>
+              </a:rPr>
+              <a:t>.</a:t>
+            </a:r>
+            <a:endParaRPr lang="ko-KR" altLang="en-US" sz="1000" dirty="0">
+              <a:solidFill>
+                <a:srgbClr val="7030A0"/>
+              </a:solidFill>
+            </a:endParaRPr>
+          </a:p>
+        </p:txBody>
+      </p:sp>
+      <p:sp>
+        <p:nvSpPr>
+          <p:cNvPr id="32" name="직사각형 31"/>
+          <p:cNvSpPr/>
+          <p:nvPr/>
+        </p:nvSpPr>
+        <p:spPr>
+          <a:xfrm>
+            <a:off x="0" y="0"/>
+            <a:ext cx="9144000" cy="548680"/>
+          </a:xfrm>
+          <a:prstGeom prst="rect">
+            <a:avLst/>
+          </a:prstGeom>
+          <a:solidFill>
+            <a:schemeClr val="accent4">
+              <a:lumMod val="75000"/>
+              <a:alpha val="41000"/>
+            </a:schemeClr>
+          </a:solidFill>
+        </p:spPr>
+        <p:style>
+          <a:lnRef idx="2">
+            <a:schemeClr val="accent1">
+              <a:shade val="50000"/>
+            </a:schemeClr>
+          </a:lnRef>
+          <a:fillRef idx="1">
+            <a:schemeClr val="accent1"/>
+          </a:fillRef>
+          <a:effectRef idx="0">
+            <a:schemeClr val="accent1"/>
+          </a:effectRef>
+          <a:fontRef idx="minor">
+            <a:schemeClr val="lt1"/>
+          </a:fontRef>
+        </p:style>
+        <p:txBody>
+          <a:bodyPr rtlCol="0" anchor="ctr"/>
+          <a:lstStyle/>
+          <a:p>
+            <a:pPr algn="ctr"/>
+            <a:endParaRPr lang="ko-KR" altLang="en-US"/>
+          </a:p>
+        </p:txBody>
+      </p:sp>
+      <p:sp>
+        <p:nvSpPr>
+          <p:cNvPr id="34" name="직사각형 33"/>
+          <p:cNvSpPr/>
+          <p:nvPr/>
+        </p:nvSpPr>
+        <p:spPr>
+          <a:xfrm>
+            <a:off x="-812" y="6299380"/>
+            <a:ext cx="9144000" cy="548680"/>
+          </a:xfrm>
+          <a:prstGeom prst="rect">
+            <a:avLst/>
+          </a:prstGeom>
+          <a:solidFill>
+            <a:schemeClr val="accent4">
+              <a:lumMod val="75000"/>
+              <a:alpha val="41000"/>
+            </a:schemeClr>
+          </a:solidFill>
+        </p:spPr>
+        <p:style>
+          <a:lnRef idx="2">
+            <a:schemeClr val="accent1">
+              <a:shade val="50000"/>
+            </a:schemeClr>
+          </a:lnRef>
+          <a:fillRef idx="1">
+            <a:schemeClr val="accent1"/>
+          </a:fillRef>
+          <a:effectRef idx="0">
+            <a:schemeClr val="accent1"/>
+          </a:effectRef>
+          <a:fontRef idx="minor">
+            <a:schemeClr val="lt1"/>
+          </a:fontRef>
+        </p:style>
+        <p:txBody>
+          <a:bodyPr rtlCol="0" anchor="ctr"/>
+          <a:lstStyle/>
+          <a:p>
+            <a:pPr>
+              <a:buFont typeface="Arial" pitchFamily="34" charset="0"/>
+              <a:buChar char="•"/>
+            </a:pPr>
+            <a:r>
+              <a:rPr lang="en-US" altLang="ko-KR" sz="1000" dirty="0" smtClean="0">
+                <a:solidFill>
+                  <a:srgbClr val="FF0000"/>
+                </a:solidFill>
+              </a:rPr>
+              <a:t>Target Chase </a:t>
+            </a:r>
+            <a:r>
+              <a:rPr lang="ko-KR" altLang="en-US" sz="1000" dirty="0" smtClean="0">
+                <a:solidFill>
+                  <a:srgbClr val="FF0000"/>
+                </a:solidFill>
+              </a:rPr>
+              <a:t>화면의 가로</a:t>
+            </a:r>
+            <a:r>
+              <a:rPr lang="en-US" altLang="ko-KR" sz="1000" dirty="0" smtClean="0">
+                <a:solidFill>
+                  <a:srgbClr val="FF0000"/>
+                </a:solidFill>
+              </a:rPr>
+              <a:t>, </a:t>
+            </a:r>
+            <a:r>
+              <a:rPr lang="ko-KR" altLang="en-US" sz="1000" dirty="0" smtClean="0">
+                <a:solidFill>
+                  <a:srgbClr val="FF0000"/>
+                </a:solidFill>
+              </a:rPr>
+              <a:t>세로 비율은 변할 수 있음</a:t>
+            </a:r>
+            <a:endParaRPr lang="ko-KR" altLang="en-US" sz="1000" dirty="0">
+              <a:solidFill>
+                <a:srgbClr val="FF0000"/>
+              </a:solidFill>
+            </a:endParaRPr>
+          </a:p>
+        </p:txBody>
+      </p:sp>
+    </p:spTree>
+  </p:cSld>
+  <p:clrMapOvr>
+    <a:masterClrMapping/>
+  </p:clrMapOvr>
+</p:sld>
+</file>
+
+<file path=ppt/slides/slide7.xml><?xml version="1.0" encoding="utf-8"?>
+<p:sld xmlns:a="http://schemas.openxmlformats.org/drawingml/2006/main" xmlns:r="http://schemas.openxmlformats.org/officeDocument/2006/relationships" xmlns:p="http://schemas.openxmlformats.org/presentationml/2006/main">
+  <p:cSld>
+    <p:spTree>
+      <p:nvGrpSpPr>
+        <p:cNvPr id="1" name=""/>
+        <p:cNvGrpSpPr/>
+        <p:nvPr/>
+      </p:nvGrpSpPr>
+      <p:grpSpPr>
+        <a:xfrm>
+          <a:off x="0" y="0"/>
+          <a:ext cx="0" cy="0"/>
+          <a:chOff x="0" y="0"/>
+          <a:chExt cx="0" cy="0"/>
+        </a:xfrm>
+      </p:grpSpPr>
+      <p:sp>
+        <p:nvSpPr>
+          <p:cNvPr id="4" name="직사각형 3"/>
+          <p:cNvSpPr/>
+          <p:nvPr/>
+        </p:nvSpPr>
+        <p:spPr>
+          <a:xfrm>
             <a:off x="971600" y="692696"/>
             <a:ext cx="7200000" cy="5400000"/>
           </a:xfrm>
@@ -6755,6 +7362,100 @@
               </a:rPr>
               <a:t>.</a:t>
             </a:r>
+          </a:p>
+          <a:p>
+            <a:pPr marL="93663" indent="-93663">
+              <a:buFont typeface="Arial" pitchFamily="34" charset="0"/>
+              <a:buChar char="•"/>
+            </a:pPr>
+            <a:r>
+              <a:rPr lang="en-US" altLang="ko-KR" sz="1000" dirty="0" smtClean="0">
+                <a:solidFill>
+                  <a:srgbClr val="7030A0"/>
+                </a:solidFill>
+              </a:rPr>
+              <a:t>Mini Map</a:t>
+            </a:r>
+            <a:r>
+              <a:rPr lang="ko-KR" altLang="en-US" sz="1000" dirty="0" smtClean="0">
+                <a:solidFill>
+                  <a:srgbClr val="7030A0"/>
+                </a:solidFill>
+              </a:rPr>
+              <a:t>은 성능 향상을 위하여 </a:t>
+            </a:r>
+            <a:r>
+              <a:rPr lang="en-US" altLang="ko-KR" sz="1000" dirty="0" smtClean="0">
+                <a:solidFill>
+                  <a:srgbClr val="7030A0"/>
+                </a:solidFill>
+              </a:rPr>
+              <a:t>2D </a:t>
+            </a:r>
+            <a:r>
+              <a:rPr lang="ko-KR" altLang="en-US" sz="1000" dirty="0" smtClean="0">
+                <a:solidFill>
+                  <a:srgbClr val="7030A0"/>
+                </a:solidFill>
+              </a:rPr>
+              <a:t>이미지 지도를 작성하고 각 표적을 심볼 형태로 표시할 수도 있다</a:t>
+            </a:r>
+            <a:r>
+              <a:rPr lang="en-US" altLang="ko-KR" sz="1000" dirty="0" smtClean="0">
+                <a:solidFill>
+                  <a:srgbClr val="7030A0"/>
+                </a:solidFill>
+              </a:rPr>
+              <a:t>. Target Chase</a:t>
+            </a:r>
+            <a:r>
+              <a:rPr lang="ko-KR" altLang="en-US" sz="1000" dirty="0" smtClean="0">
+                <a:solidFill>
+                  <a:srgbClr val="7030A0"/>
+                </a:solidFill>
+              </a:rPr>
+              <a:t>에 표시되는 표적은 이 </a:t>
+            </a:r>
+            <a:r>
+              <a:rPr lang="en-US" altLang="ko-KR" sz="1000" dirty="0" smtClean="0">
+                <a:solidFill>
+                  <a:srgbClr val="7030A0"/>
+                </a:solidFill>
+              </a:rPr>
+              <a:t>Mini Map</a:t>
+            </a:r>
+            <a:r>
+              <a:rPr lang="ko-KR" altLang="en-US" sz="1000" dirty="0" smtClean="0">
+                <a:solidFill>
+                  <a:srgbClr val="7030A0"/>
+                </a:solidFill>
+              </a:rPr>
+              <a:t>내에서 구분될 수 있도록 </a:t>
+            </a:r>
+            <a:r>
+              <a:rPr lang="en-US" altLang="ko-KR" sz="1000" dirty="0" smtClean="0">
+                <a:solidFill>
+                  <a:srgbClr val="7030A0"/>
+                </a:solidFill>
+              </a:rPr>
+              <a:t>highlight</a:t>
+            </a:r>
+            <a:r>
+              <a:rPr lang="ko-KR" altLang="en-US" sz="1000" dirty="0" smtClean="0">
+                <a:solidFill>
+                  <a:srgbClr val="7030A0"/>
+                </a:solidFill>
+              </a:rPr>
+              <a:t>된다</a:t>
+            </a:r>
+            <a:r>
+              <a:rPr lang="en-US" altLang="ko-KR" sz="1000" dirty="0" smtClean="0">
+                <a:solidFill>
+                  <a:srgbClr val="7030A0"/>
+                </a:solidFill>
+              </a:rPr>
+              <a:t>.</a:t>
+            </a:r>
             <a:endParaRPr lang="ko-KR" altLang="en-US" sz="1000" dirty="0">
               <a:solidFill>
                 <a:srgbClr val="7030A0"/>
@@ -6771,7 +7472,7 @@
 </p:sld>
 </file>
 
-<file path=ppt/slides/slide7.xml><?xml version="1.0" encoding="utf-8"?>
+<file path=ppt/slides/slide8.xml><?xml version="1.0" encoding="utf-8"?>
 <p:sld xmlns:a="http://schemas.openxmlformats.org/drawingml/2006/main" xmlns:r="http://schemas.openxmlformats.org/officeDocument/2006/relationships" xmlns:p="http://schemas.openxmlformats.org/presentationml/2006/main">
   <p:cSld>
     <p:spTree>
